--- a/Mocking/CodingDojo_Mocking.pptx
+++ b/Mocking/CodingDojo_Mocking.pptx
@@ -5,20 +5,19 @@
     <p:sldMasterId id="2147483667" r:id="rId1"/>
   </p:sldMasterIdLst>
   <p:notesMasterIdLst>
-    <p:notesMasterId r:id="rId13"/>
+    <p:notesMasterId r:id="rId12"/>
   </p:notesMasterIdLst>
   <p:sldIdLst>
     <p:sldId id="270" r:id="rId2"/>
     <p:sldId id="257" r:id="rId3"/>
     <p:sldId id="279" r:id="rId4"/>
     <p:sldId id="266" r:id="rId5"/>
-    <p:sldId id="284" r:id="rId6"/>
-    <p:sldId id="286" r:id="rId7"/>
-    <p:sldId id="287" r:id="rId8"/>
-    <p:sldId id="288" r:id="rId9"/>
-    <p:sldId id="289" r:id="rId10"/>
-    <p:sldId id="283" r:id="rId11"/>
-    <p:sldId id="285" r:id="rId12"/>
+    <p:sldId id="286" r:id="rId6"/>
+    <p:sldId id="287" r:id="rId7"/>
+    <p:sldId id="288" r:id="rId8"/>
+    <p:sldId id="289" r:id="rId9"/>
+    <p:sldId id="283" r:id="rId10"/>
+    <p:sldId id="285" r:id="rId11"/>
   </p:sldIdLst>
   <p:sldSz cx="12192000" cy="6858000"/>
   <p:notesSz cx="6858000" cy="9144000"/>
@@ -218,7 +217,7 @@
           <a:p>
             <a:fld id="{550C01F7-036F-4DDB-91D3-72DE411FB950}" type="datetimeFigureOut">
               <a:rPr lang="de-AT" smtClean="0"/>
-              <a:t>10.06.2022</a:t>
+              <a:t>14.07.2022</a:t>
             </a:fld>
             <a:endParaRPr lang="de-AT"/>
           </a:p>
@@ -1593,7 +1592,7 @@
           <a:p>
             <a:fld id="{222DE6FD-D7F2-49F0-A0DD-6365E6F7E0B0}" type="slidenum">
               <a:rPr lang="de-AT" smtClean="0"/>
-              <a:t>10</a:t>
+              <a:t>9</a:t>
             </a:fld>
             <a:endParaRPr lang="de-AT"/>
           </a:p>
@@ -3014,7 +3013,7 @@
           <a:p>
             <a:fld id="{4F9BBA49-313F-47D7-A954-C3F504465317}" type="datetimeFigureOut">
               <a:rPr lang="de-AT" smtClean="0"/>
-              <a:t>10.06.2022</a:t>
+              <a:t>14.07.2022</a:t>
             </a:fld>
             <a:endParaRPr lang="de-AT"/>
           </a:p>
@@ -3184,7 +3183,7 @@
           <a:p>
             <a:fld id="{4F9BBA49-313F-47D7-A954-C3F504465317}" type="datetimeFigureOut">
               <a:rPr lang="de-AT" smtClean="0"/>
-              <a:t>10.06.2022</a:t>
+              <a:t>14.07.2022</a:t>
             </a:fld>
             <a:endParaRPr lang="de-AT"/>
           </a:p>
@@ -6556,373 +6555,6 @@
 </file>
 
 <file path=ppt/slides/slide10.xml><?xml version="1.0" encoding="utf-8"?>
-<p:sld xmlns:a="http://schemas.openxmlformats.org/drawingml/2006/main" xmlns:r="http://schemas.openxmlformats.org/officeDocument/2006/relationships" xmlns:p="http://schemas.openxmlformats.org/presentationml/2006/main">
-  <p:cSld>
-    <p:spTree>
-      <p:nvGrpSpPr>
-        <p:cNvPr id="1" name=""/>
-        <p:cNvGrpSpPr/>
-        <p:nvPr/>
-      </p:nvGrpSpPr>
-      <p:grpSpPr>
-        <a:xfrm>
-          <a:off x="0" y="0"/>
-          <a:ext cx="0" cy="0"/>
-          <a:chOff x="0" y="0"/>
-          <a:chExt cx="0" cy="0"/>
-        </a:xfrm>
-      </p:grpSpPr>
-      <p:sp>
-        <p:nvSpPr>
-          <p:cNvPr id="2" name="Title 1">
-            <a:extLst>
-              <a:ext uri="{FF2B5EF4-FFF2-40B4-BE49-F238E27FC236}">
-                <a16:creationId xmlns:a16="http://schemas.microsoft.com/office/drawing/2014/main" id="{9E36F4ED-769D-49BA-8930-4C7CE2636CA3}"/>
-              </a:ext>
-            </a:extLst>
-          </p:cNvPr>
-          <p:cNvSpPr>
-            <a:spLocks noGrp="1"/>
-          </p:cNvSpPr>
-          <p:nvPr>
-            <p:ph type="title"/>
-          </p:nvPr>
-        </p:nvSpPr>
-        <p:spPr/>
-        <p:txBody>
-          <a:bodyPr/>
-          <a:lstStyle/>
-          <a:p>
-            <a:r>
-              <a:rPr lang="en-US" dirty="0"/>
-              <a:t>Setup</a:t>
-            </a:r>
-            <a:endParaRPr lang="de-AT" dirty="0"/>
-          </a:p>
-        </p:txBody>
-      </p:sp>
-      <p:sp>
-        <p:nvSpPr>
-          <p:cNvPr id="3" name="Content Placeholder 2">
-            <a:extLst>
-              <a:ext uri="{FF2B5EF4-FFF2-40B4-BE49-F238E27FC236}">
-                <a16:creationId xmlns:a16="http://schemas.microsoft.com/office/drawing/2014/main" id="{0AFE0005-C90E-4ED3-9B5C-6119CEAE399E}"/>
-              </a:ext>
-            </a:extLst>
-          </p:cNvPr>
-          <p:cNvSpPr>
-            <a:spLocks noGrp="1"/>
-          </p:cNvSpPr>
-          <p:nvPr>
-            <p:ph type="body" sz="quarter" idx="13"/>
-          </p:nvPr>
-        </p:nvSpPr>
-        <p:spPr/>
-        <p:txBody>
-          <a:bodyPr/>
-          <a:lstStyle/>
-          <a:p>
-            <a:pPr marL="457200" lvl="1" indent="0">
-              <a:buNone/>
-            </a:pPr>
-            <a:endParaRPr lang="de-AT" dirty="0"/>
-          </a:p>
-          <a:p>
-            <a:endParaRPr lang="de-AT" dirty="0"/>
-          </a:p>
-        </p:txBody>
-      </p:sp>
-      <p:sp>
-        <p:nvSpPr>
-          <p:cNvPr id="5" name="Content Placeholder 2"/>
-          <p:cNvSpPr txBox="1">
-            <a:spLocks/>
-          </p:cNvSpPr>
-          <p:nvPr/>
-        </p:nvSpPr>
-        <p:spPr>
-          <a:xfrm>
-            <a:off x="838200" y="1825625"/>
-            <a:ext cx="10515600" cy="4351338"/>
-          </a:xfrm>
-          <a:prstGeom prst="rect">
-            <a:avLst/>
-          </a:prstGeom>
-        </p:spPr>
-        <p:txBody>
-          <a:bodyPr vert="horz" lIns="91440" tIns="45720" rIns="91440" bIns="45720" rtlCol="0">
-            <a:normAutofit/>
-          </a:bodyPr>
-          <a:lstStyle>
-            <a:lvl1pPr marL="228600" indent="-228600" algn="l" defTabSz="914400" rtl="0" eaLnBrk="1" latinLnBrk="0" hangingPunct="1">
-              <a:lnSpc>
-                <a:spcPct val="90000"/>
-              </a:lnSpc>
-              <a:spcBef>
-                <a:spcPts val="1000"/>
-              </a:spcBef>
-              <a:buFont typeface="Arial" panose="020B0604020202020204" pitchFamily="34" charset="0"/>
-              <a:buChar char="•"/>
-              <a:defRPr sz="2800" kern="1200">
-                <a:solidFill>
-                  <a:schemeClr val="tx1"/>
-                </a:solidFill>
-                <a:latin typeface="+mn-lt"/>
-                <a:ea typeface="+mn-ea"/>
-                <a:cs typeface="+mn-cs"/>
-              </a:defRPr>
-            </a:lvl1pPr>
-            <a:lvl2pPr marL="685800" indent="-228600" algn="l" defTabSz="914400" rtl="0" eaLnBrk="1" latinLnBrk="0" hangingPunct="1">
-              <a:lnSpc>
-                <a:spcPct val="90000"/>
-              </a:lnSpc>
-              <a:spcBef>
-                <a:spcPts val="500"/>
-              </a:spcBef>
-              <a:buFont typeface="Arial" panose="020B0604020202020204" pitchFamily="34" charset="0"/>
-              <a:buChar char="•"/>
-              <a:defRPr sz="2400" kern="1200">
-                <a:solidFill>
-                  <a:schemeClr val="tx1"/>
-                </a:solidFill>
-                <a:latin typeface="+mn-lt"/>
-                <a:ea typeface="+mn-ea"/>
-                <a:cs typeface="+mn-cs"/>
-              </a:defRPr>
-            </a:lvl2pPr>
-            <a:lvl3pPr marL="1143000" indent="-228600" algn="l" defTabSz="914400" rtl="0" eaLnBrk="1" latinLnBrk="0" hangingPunct="1">
-              <a:lnSpc>
-                <a:spcPct val="90000"/>
-              </a:lnSpc>
-              <a:spcBef>
-                <a:spcPts val="500"/>
-              </a:spcBef>
-              <a:buFont typeface="Arial" panose="020B0604020202020204" pitchFamily="34" charset="0"/>
-              <a:buChar char="•"/>
-              <a:defRPr sz="2000" kern="1200">
-                <a:solidFill>
-                  <a:schemeClr val="tx1"/>
-                </a:solidFill>
-                <a:latin typeface="+mn-lt"/>
-                <a:ea typeface="+mn-ea"/>
-                <a:cs typeface="+mn-cs"/>
-              </a:defRPr>
-            </a:lvl3pPr>
-            <a:lvl4pPr marL="1600200" indent="-228600" algn="l" defTabSz="914400" rtl="0" eaLnBrk="1" latinLnBrk="0" hangingPunct="1">
-              <a:lnSpc>
-                <a:spcPct val="90000"/>
-              </a:lnSpc>
-              <a:spcBef>
-                <a:spcPts val="500"/>
-              </a:spcBef>
-              <a:buFont typeface="Arial" panose="020B0604020202020204" pitchFamily="34" charset="0"/>
-              <a:buChar char="•"/>
-              <a:defRPr sz="1800" kern="1200">
-                <a:solidFill>
-                  <a:schemeClr val="tx1"/>
-                </a:solidFill>
-                <a:latin typeface="+mn-lt"/>
-                <a:ea typeface="+mn-ea"/>
-                <a:cs typeface="+mn-cs"/>
-              </a:defRPr>
-            </a:lvl4pPr>
-            <a:lvl5pPr marL="2057400" indent="-228600" algn="l" defTabSz="914400" rtl="0" eaLnBrk="1" latinLnBrk="0" hangingPunct="1">
-              <a:lnSpc>
-                <a:spcPct val="90000"/>
-              </a:lnSpc>
-              <a:spcBef>
-                <a:spcPts val="500"/>
-              </a:spcBef>
-              <a:buFont typeface="Arial" panose="020B0604020202020204" pitchFamily="34" charset="0"/>
-              <a:buChar char="•"/>
-              <a:defRPr sz="1800" kern="1200">
-                <a:solidFill>
-                  <a:schemeClr val="tx1"/>
-                </a:solidFill>
-                <a:latin typeface="+mn-lt"/>
-                <a:ea typeface="+mn-ea"/>
-                <a:cs typeface="+mn-cs"/>
-              </a:defRPr>
-            </a:lvl5pPr>
-            <a:lvl6pPr marL="2514600" indent="-228600" algn="l" defTabSz="914400" rtl="0" eaLnBrk="1" latinLnBrk="0" hangingPunct="1">
-              <a:lnSpc>
-                <a:spcPct val="90000"/>
-              </a:lnSpc>
-              <a:spcBef>
-                <a:spcPts val="500"/>
-              </a:spcBef>
-              <a:buFont typeface="Arial" panose="020B0604020202020204" pitchFamily="34" charset="0"/>
-              <a:buChar char="•"/>
-              <a:defRPr sz="1800" kern="1200">
-                <a:solidFill>
-                  <a:schemeClr val="tx1"/>
-                </a:solidFill>
-                <a:latin typeface="+mn-lt"/>
-                <a:ea typeface="+mn-ea"/>
-                <a:cs typeface="+mn-cs"/>
-              </a:defRPr>
-            </a:lvl6pPr>
-            <a:lvl7pPr marL="2971800" indent="-228600" algn="l" defTabSz="914400" rtl="0" eaLnBrk="1" latinLnBrk="0" hangingPunct="1">
-              <a:lnSpc>
-                <a:spcPct val="90000"/>
-              </a:lnSpc>
-              <a:spcBef>
-                <a:spcPts val="500"/>
-              </a:spcBef>
-              <a:buFont typeface="Arial" panose="020B0604020202020204" pitchFamily="34" charset="0"/>
-              <a:buChar char="•"/>
-              <a:defRPr sz="1800" kern="1200">
-                <a:solidFill>
-                  <a:schemeClr val="tx1"/>
-                </a:solidFill>
-                <a:latin typeface="+mn-lt"/>
-                <a:ea typeface="+mn-ea"/>
-                <a:cs typeface="+mn-cs"/>
-              </a:defRPr>
-            </a:lvl7pPr>
-            <a:lvl8pPr marL="3429000" indent="-228600" algn="l" defTabSz="914400" rtl="0" eaLnBrk="1" latinLnBrk="0" hangingPunct="1">
-              <a:lnSpc>
-                <a:spcPct val="90000"/>
-              </a:lnSpc>
-              <a:spcBef>
-                <a:spcPts val="500"/>
-              </a:spcBef>
-              <a:buFont typeface="Arial" panose="020B0604020202020204" pitchFamily="34" charset="0"/>
-              <a:buChar char="•"/>
-              <a:defRPr sz="1800" kern="1200">
-                <a:solidFill>
-                  <a:schemeClr val="tx1"/>
-                </a:solidFill>
-                <a:latin typeface="+mn-lt"/>
-                <a:ea typeface="+mn-ea"/>
-                <a:cs typeface="+mn-cs"/>
-              </a:defRPr>
-            </a:lvl8pPr>
-            <a:lvl9pPr marL="3886200" indent="-228600" algn="l" defTabSz="914400" rtl="0" eaLnBrk="1" latinLnBrk="0" hangingPunct="1">
-              <a:lnSpc>
-                <a:spcPct val="90000"/>
-              </a:lnSpc>
-              <a:spcBef>
-                <a:spcPts val="500"/>
-              </a:spcBef>
-              <a:buFont typeface="Arial" panose="020B0604020202020204" pitchFamily="34" charset="0"/>
-              <a:buChar char="•"/>
-              <a:defRPr sz="1800" kern="1200">
-                <a:solidFill>
-                  <a:schemeClr val="tx1"/>
-                </a:solidFill>
-                <a:latin typeface="+mn-lt"/>
-                <a:ea typeface="+mn-ea"/>
-                <a:cs typeface="+mn-cs"/>
-              </a:defRPr>
-            </a:lvl9pPr>
-          </a:lstStyle>
-          <a:p>
-            <a:pPr marL="285750" indent="-285750">
-              <a:buFont typeface="Arial" panose="020B0604020202020204" pitchFamily="34" charset="0"/>
-              <a:buChar char="•"/>
-            </a:pPr>
-            <a:r>
-              <a:rPr lang="de-AT" dirty="0">
-                <a:hlinkClick r:id="rId3"/>
-              </a:rPr>
-              <a:t>https://github.com/techtalk/CodingDojos.git</a:t>
-            </a:r>
-            <a:endParaRPr lang="de-AT" dirty="0"/>
-          </a:p>
-          <a:p>
-            <a:pPr lvl="1"/>
-            <a:r>
-              <a:rPr lang="en-GB" dirty="0"/>
-              <a:t>Branch “</a:t>
-            </a:r>
-            <a:r>
-              <a:rPr lang="en-GB" dirty="0" err="1"/>
-              <a:t>MockingDojo</a:t>
-            </a:r>
-            <a:r>
-              <a:rPr lang="en-GB" dirty="0"/>
-              <a:t>”</a:t>
-            </a:r>
-          </a:p>
-          <a:p>
-            <a:endParaRPr lang="en-GB" dirty="0"/>
-          </a:p>
-          <a:p>
-            <a:r>
-              <a:rPr lang="en-GB" dirty="0"/>
-              <a:t>Falls </a:t>
-            </a:r>
-            <a:r>
-              <a:rPr lang="en-GB" dirty="0" err="1"/>
-              <a:t>gewünscht</a:t>
-            </a:r>
-            <a:r>
-              <a:rPr lang="en-GB" dirty="0"/>
-              <a:t>: </a:t>
-            </a:r>
-            <a:r>
-              <a:rPr lang="en-GB" dirty="0" err="1"/>
-              <a:t>mit</a:t>
-            </a:r>
-            <a:r>
-              <a:rPr lang="en-GB" dirty="0"/>
-              <a:t> </a:t>
-            </a:r>
-            <a:r>
-              <a:rPr lang="en-GB" dirty="0" err="1"/>
-              <a:t>einem</a:t>
-            </a:r>
-            <a:r>
-              <a:rPr lang="en-GB" dirty="0"/>
-              <a:t> Pattern </a:t>
-            </a:r>
-            <a:r>
-              <a:rPr lang="en-GB" dirty="0" err="1"/>
-              <a:t>arbeiten</a:t>
-            </a:r>
-            <a:r>
-              <a:rPr lang="en-GB" dirty="0"/>
-              <a:t>?</a:t>
-            </a:r>
-          </a:p>
-          <a:p>
-            <a:pPr lvl="1"/>
-            <a:r>
-              <a:rPr lang="en-GB" dirty="0"/>
-              <a:t>https://www.tutorialspoint.com/design_pattern/strategy_pattern.htm</a:t>
-            </a:r>
-          </a:p>
-          <a:p>
-            <a:endParaRPr lang="en-GB" dirty="0"/>
-          </a:p>
-          <a:p>
-            <a:pPr lvl="2"/>
-            <a:endParaRPr lang="en-GB" dirty="0"/>
-          </a:p>
-          <a:p>
-            <a:pPr lvl="1"/>
-            <a:endParaRPr lang="en-GB" dirty="0"/>
-          </a:p>
-          <a:p>
-            <a:endParaRPr lang="en-GB" dirty="0"/>
-          </a:p>
-        </p:txBody>
-      </p:sp>
-    </p:spTree>
-    <p:extLst>
-      <p:ext uri="{BB962C8B-B14F-4D97-AF65-F5344CB8AC3E}">
-        <p14:creationId xmlns:p14="http://schemas.microsoft.com/office/powerpoint/2010/main" val="355067626"/>
-      </p:ext>
-    </p:extLst>
-  </p:cSld>
-  <p:clrMapOvr>
-    <a:masterClrMapping/>
-  </p:clrMapOvr>
-</p:sld>
-</file>
-
-<file path=ppt/slides/slide11.xml><?xml version="1.0" encoding="utf-8"?>
 <p:sld xmlns:a="http://schemas.openxmlformats.org/drawingml/2006/main" xmlns:r="http://schemas.openxmlformats.org/officeDocument/2006/relationships" xmlns:p="http://schemas.openxmlformats.org/presentationml/2006/main">
   <p:cSld>
     <p:spTree>
@@ -9069,10 +8701,10 @@
       </p:grpSpPr>
       <p:sp>
         <p:nvSpPr>
-          <p:cNvPr id="19" name="Title 1">
+          <p:cNvPr id="3" name="Title 2">
             <a:extLst>
               <a:ext uri="{FF2B5EF4-FFF2-40B4-BE49-F238E27FC236}">
-                <a16:creationId xmlns:a16="http://schemas.microsoft.com/office/drawing/2014/main" id="{BE916504-5459-D36C-8301-CA7689C306CC}"/>
+                <a16:creationId xmlns:a16="http://schemas.microsoft.com/office/drawing/2014/main" id="{228C96B3-ED36-32E6-DD5A-F380A53C722F}"/>
               </a:ext>
             </a:extLst>
           </p:cNvPr>
@@ -9085,8 +8717,8 @@
         </p:nvSpPr>
         <p:spPr>
           <a:xfrm>
-            <a:off x="838200" y="365125"/>
-            <a:ext cx="10515600" cy="1325563"/>
+            <a:off x="837565" y="740701"/>
+            <a:ext cx="10346647" cy="594715"/>
           </a:xfrm>
         </p:spPr>
         <p:txBody>
@@ -9094,1788 +8726,120 @@
           <a:lstStyle/>
           <a:p>
             <a:r>
-              <a:rPr lang="de-AT" dirty="0"/>
-              <a:t>Der TDD-Cycle</a:t>
-            </a:r>
+              <a:rPr lang="en-GB" dirty="0" err="1"/>
+              <a:t>Warum</a:t>
+            </a:r>
+            <a:r>
+              <a:rPr lang="en-GB" dirty="0"/>
+              <a:t>?</a:t>
+            </a:r>
+            <a:endParaRPr lang="en-AT" dirty="0"/>
           </a:p>
         </p:txBody>
       </p:sp>
       <p:sp>
         <p:nvSpPr>
-          <p:cNvPr id="20" name="Rounded Rectangular Callout 2">
+          <p:cNvPr id="5" name="Content Placeholder 2">
             <a:extLst>
               <a:ext uri="{FF2B5EF4-FFF2-40B4-BE49-F238E27FC236}">
-                <a16:creationId xmlns:a16="http://schemas.microsoft.com/office/drawing/2014/main" id="{472A5017-7D22-77CD-1734-32E88997E0D8}"/>
+                <a16:creationId xmlns:a16="http://schemas.microsoft.com/office/drawing/2014/main" id="{EF193631-622E-53A8-4568-BDC973DB021B}"/>
               </a:ext>
             </a:extLst>
           </p:cNvPr>
-          <p:cNvSpPr/>
-          <p:nvPr/>
+          <p:cNvSpPr>
+            <a:spLocks noGrp="1"/>
+          </p:cNvSpPr>
+          <p:nvPr>
+            <p:ph type="body" sz="quarter" idx="13"/>
+          </p:nvPr>
         </p:nvSpPr>
         <p:spPr>
           <a:xfrm>
-            <a:off x="2582159" y="1758350"/>
-            <a:ext cx="1875934" cy="386500"/>
+            <a:off x="838474" y="1543510"/>
+            <a:ext cx="10345738" cy="4159250"/>
           </a:xfrm>
-          <a:prstGeom prst="wedgeRoundRectCallout">
-            <a:avLst>
-              <a:gd name="adj1" fmla="val 40967"/>
-              <a:gd name="adj2" fmla="val 154184"/>
-              <a:gd name="adj3" fmla="val 16667"/>
-            </a:avLst>
-          </a:prstGeom>
-        </p:spPr>
-        <p:style>
-          <a:lnRef idx="1">
-            <a:schemeClr val="accent4"/>
-          </a:lnRef>
-          <a:fillRef idx="2">
-            <a:schemeClr val="accent4"/>
-          </a:fillRef>
-          <a:effectRef idx="1">
-            <a:schemeClr val="accent4"/>
-          </a:effectRef>
-          <a:fontRef idx="minor">
-            <a:schemeClr val="dk1"/>
-          </a:fontRef>
-        </p:style>
-        <p:txBody>
-          <a:bodyPr rtlCol="0" anchor="ctr"/>
-          <a:lstStyle/>
-          <a:p>
-            <a:pPr algn="ctr"/>
-            <a:r>
-              <a:rPr lang="de-AT" dirty="0" err="1"/>
-              <a:t>Make</a:t>
-            </a:r>
-            <a:r>
-              <a:rPr lang="de-AT" dirty="0"/>
-              <a:t> </a:t>
-            </a:r>
-            <a:r>
-              <a:rPr lang="de-AT" dirty="0" err="1"/>
-              <a:t>it</a:t>
-            </a:r>
-            <a:r>
-              <a:rPr lang="de-AT" dirty="0"/>
-              <a:t> </a:t>
-            </a:r>
-            <a:r>
-              <a:rPr lang="de-AT" dirty="0" err="1"/>
-              <a:t>compile</a:t>
-            </a:r>
-            <a:endParaRPr lang="de-AT" dirty="0"/>
-          </a:p>
-        </p:txBody>
-      </p:sp>
-      <p:sp>
-        <p:nvSpPr>
-          <p:cNvPr id="21" name="Rounded Rectangular Callout 4">
-            <a:extLst>
-              <a:ext uri="{FF2B5EF4-FFF2-40B4-BE49-F238E27FC236}">
-                <a16:creationId xmlns:a16="http://schemas.microsoft.com/office/drawing/2014/main" id="{F9648FF5-E4C7-3262-F2AC-8C79D89B32E5}"/>
-              </a:ext>
-            </a:extLst>
-          </p:cNvPr>
-          <p:cNvSpPr/>
-          <p:nvPr/>
-        </p:nvSpPr>
-        <p:spPr>
-          <a:xfrm>
-            <a:off x="5466761" y="1698306"/>
-            <a:ext cx="2222790" cy="669689"/>
-          </a:xfrm>
-          <a:prstGeom prst="wedgeRoundRectCallout">
-            <a:avLst>
-              <a:gd name="adj1" fmla="val -72418"/>
-              <a:gd name="adj2" fmla="val 72249"/>
-              <a:gd name="adj3" fmla="val 16667"/>
-            </a:avLst>
-          </a:prstGeom>
-        </p:spPr>
-        <p:style>
-          <a:lnRef idx="1">
-            <a:schemeClr val="accent4"/>
-          </a:lnRef>
-          <a:fillRef idx="2">
-            <a:schemeClr val="accent4"/>
-          </a:fillRef>
-          <a:effectRef idx="1">
-            <a:schemeClr val="accent4"/>
-          </a:effectRef>
-          <a:fontRef idx="minor">
-            <a:schemeClr val="dk1"/>
-          </a:fontRef>
-        </p:style>
-        <p:txBody>
-          <a:bodyPr rtlCol="0" anchor="ctr"/>
-          <a:lstStyle/>
-          <a:p>
-            <a:pPr algn="ctr"/>
-            <a:r>
-              <a:rPr lang="de-AT" dirty="0" err="1"/>
-              <a:t>Ensure</a:t>
-            </a:r>
-            <a:r>
-              <a:rPr lang="de-AT" dirty="0"/>
-              <a:t> </a:t>
-            </a:r>
-            <a:r>
-              <a:rPr lang="de-AT" dirty="0" err="1"/>
-              <a:t>meaningful</a:t>
-            </a:r>
-            <a:r>
-              <a:rPr lang="de-AT" dirty="0"/>
-              <a:t> Fail-message</a:t>
-            </a:r>
-          </a:p>
-        </p:txBody>
-      </p:sp>
-      <p:sp>
-        <p:nvSpPr>
-          <p:cNvPr id="22" name="Rounded Rectangular Callout 5">
-            <a:extLst>
-              <a:ext uri="{FF2B5EF4-FFF2-40B4-BE49-F238E27FC236}">
-                <a16:creationId xmlns:a16="http://schemas.microsoft.com/office/drawing/2014/main" id="{1792587B-F3D1-0548-827C-B5DF13333CE5}"/>
-              </a:ext>
-            </a:extLst>
-          </p:cNvPr>
-          <p:cNvSpPr/>
-          <p:nvPr/>
-        </p:nvSpPr>
-        <p:spPr>
-          <a:xfrm>
-            <a:off x="838200" y="5213023"/>
-            <a:ext cx="1875934" cy="561147"/>
-          </a:xfrm>
-          <a:prstGeom prst="wedgeRoundRectCallout">
-            <a:avLst>
-              <a:gd name="adj1" fmla="val 68605"/>
-              <a:gd name="adj2" fmla="val -116284"/>
-              <a:gd name="adj3" fmla="val 16667"/>
-            </a:avLst>
-          </a:prstGeom>
-        </p:spPr>
-        <p:style>
-          <a:lnRef idx="1">
-            <a:schemeClr val="accent4"/>
-          </a:lnRef>
-          <a:fillRef idx="2">
-            <a:schemeClr val="accent4"/>
-          </a:fillRef>
-          <a:effectRef idx="1">
-            <a:schemeClr val="accent4"/>
-          </a:effectRef>
-          <a:fontRef idx="minor">
-            <a:schemeClr val="dk1"/>
-          </a:fontRef>
-        </p:style>
-        <p:txBody>
-          <a:bodyPr rtlCol="0" anchor="ctr"/>
-          <a:lstStyle/>
-          <a:p>
-            <a:pPr algn="ctr"/>
-            <a:r>
-              <a:rPr lang="de-AT" dirty="0" err="1"/>
-              <a:t>Choose</a:t>
-            </a:r>
-            <a:r>
-              <a:rPr lang="de-AT" dirty="0"/>
-              <a:t> </a:t>
-            </a:r>
-            <a:r>
-              <a:rPr lang="de-AT" dirty="0" err="1"/>
-              <a:t>the</a:t>
-            </a:r>
-            <a:r>
-              <a:rPr lang="de-AT" dirty="0"/>
-              <a:t> </a:t>
-            </a:r>
-            <a:r>
-              <a:rPr lang="de-AT" dirty="0" err="1"/>
-              <a:t>next</a:t>
-            </a:r>
-            <a:r>
-              <a:rPr lang="de-AT" dirty="0"/>
-              <a:t> </a:t>
-            </a:r>
-            <a:r>
-              <a:rPr lang="de-AT" dirty="0" err="1"/>
-              <a:t>test</a:t>
-            </a:r>
-            <a:r>
-              <a:rPr lang="de-AT" dirty="0"/>
-              <a:t> </a:t>
-            </a:r>
-            <a:r>
-              <a:rPr lang="de-AT" dirty="0" err="1"/>
-              <a:t>case</a:t>
-            </a:r>
-            <a:endParaRPr lang="de-AT" dirty="0"/>
-          </a:p>
-        </p:txBody>
-      </p:sp>
-      <p:sp>
-        <p:nvSpPr>
-          <p:cNvPr id="23" name="Oval 22">
-            <a:extLst>
-              <a:ext uri="{FF2B5EF4-FFF2-40B4-BE49-F238E27FC236}">
-                <a16:creationId xmlns:a16="http://schemas.microsoft.com/office/drawing/2014/main" id="{A11AEDEC-A075-3AAB-A478-2F6FCAFCFF15}"/>
-              </a:ext>
-            </a:extLst>
-          </p:cNvPr>
-          <p:cNvSpPr/>
-          <p:nvPr/>
-        </p:nvSpPr>
-        <p:spPr>
-          <a:xfrm>
-            <a:off x="1801795" y="2208009"/>
-            <a:ext cx="2961252" cy="2958300"/>
-          </a:xfrm>
-          <a:prstGeom prst="ellipse">
-            <a:avLst/>
-          </a:prstGeom>
-          <a:solidFill>
-            <a:srgbClr val="C00000">
-              <a:alpha val="50000"/>
-            </a:srgbClr>
-          </a:solidFill>
-          <a:ln w="19050">
-            <a:solidFill>
-              <a:schemeClr val="tx1">
-                <a:lumMod val="50000"/>
-                <a:lumOff val="50000"/>
-              </a:schemeClr>
-            </a:solidFill>
-          </a:ln>
-          <a:effectLst>
-            <a:softEdge rad="635000"/>
-          </a:effectLst>
-        </p:spPr>
-        <p:style>
-          <a:lnRef idx="2">
-            <a:schemeClr val="accent1">
-              <a:shade val="50000"/>
-            </a:schemeClr>
-          </a:lnRef>
-          <a:fillRef idx="1">
-            <a:schemeClr val="accent1"/>
-          </a:fillRef>
-          <a:effectRef idx="0">
-            <a:schemeClr val="accent1"/>
-          </a:effectRef>
-          <a:fontRef idx="minor">
-            <a:schemeClr val="lt1"/>
-          </a:fontRef>
-        </p:style>
-        <p:txBody>
-          <a:bodyPr rtlCol="0" anchor="ctr"/>
-          <a:lstStyle/>
-          <a:p>
-            <a:pPr algn="ctr"/>
-            <a:endParaRPr lang="de-AT"/>
-          </a:p>
-        </p:txBody>
-      </p:sp>
-      <p:sp>
-        <p:nvSpPr>
-          <p:cNvPr id="24" name="Oval 23">
-            <a:extLst>
-              <a:ext uri="{FF2B5EF4-FFF2-40B4-BE49-F238E27FC236}">
-                <a16:creationId xmlns:a16="http://schemas.microsoft.com/office/drawing/2014/main" id="{D76A9EBB-6510-A1DB-9F5D-B7F8147E61E5}"/>
-              </a:ext>
-            </a:extLst>
-          </p:cNvPr>
-          <p:cNvSpPr/>
-          <p:nvPr/>
-        </p:nvSpPr>
-        <p:spPr>
-          <a:xfrm>
-            <a:off x="3290823" y="4229094"/>
-            <a:ext cx="2961252" cy="2958300"/>
-          </a:xfrm>
-          <a:prstGeom prst="ellipse">
-            <a:avLst/>
-          </a:prstGeom>
-          <a:solidFill>
-            <a:schemeClr val="accent6">
-              <a:lumMod val="75000"/>
-              <a:alpha val="50000"/>
-            </a:schemeClr>
-          </a:solidFill>
-          <a:ln w="19050">
-            <a:solidFill>
-              <a:schemeClr val="tx1">
-                <a:lumMod val="50000"/>
-                <a:lumOff val="50000"/>
-              </a:schemeClr>
-            </a:solidFill>
-          </a:ln>
-          <a:effectLst>
-            <a:softEdge rad="635000"/>
-          </a:effectLst>
-        </p:spPr>
-        <p:style>
-          <a:lnRef idx="2">
-            <a:schemeClr val="accent1">
-              <a:shade val="50000"/>
-            </a:schemeClr>
-          </a:lnRef>
-          <a:fillRef idx="1">
-            <a:schemeClr val="accent1"/>
-          </a:fillRef>
-          <a:effectRef idx="0">
-            <a:schemeClr val="accent1"/>
-          </a:effectRef>
-          <a:fontRef idx="minor">
-            <a:schemeClr val="lt1"/>
-          </a:fontRef>
-        </p:style>
-        <p:txBody>
-          <a:bodyPr rtlCol="0" anchor="ctr"/>
-          <a:lstStyle/>
-          <a:p>
-            <a:pPr algn="ctr"/>
-            <a:endParaRPr lang="de-AT"/>
-          </a:p>
-        </p:txBody>
-      </p:sp>
-      <p:sp>
-        <p:nvSpPr>
-          <p:cNvPr id="25" name="Oval 24">
-            <a:extLst>
-              <a:ext uri="{FF2B5EF4-FFF2-40B4-BE49-F238E27FC236}">
-                <a16:creationId xmlns:a16="http://schemas.microsoft.com/office/drawing/2014/main" id="{71531AC4-0F67-D377-E73B-49BC1B310D4B}"/>
-              </a:ext>
-            </a:extLst>
-          </p:cNvPr>
-          <p:cNvSpPr/>
-          <p:nvPr/>
-        </p:nvSpPr>
-        <p:spPr>
-          <a:xfrm>
-            <a:off x="4728299" y="2142310"/>
-            <a:ext cx="2961252" cy="2958300"/>
-          </a:xfrm>
-          <a:prstGeom prst="ellipse">
-            <a:avLst/>
-          </a:prstGeom>
-          <a:solidFill>
-            <a:schemeClr val="accent6">
-              <a:lumMod val="75000"/>
-              <a:alpha val="50000"/>
-            </a:schemeClr>
-          </a:solidFill>
-          <a:ln w="19050">
-            <a:solidFill>
-              <a:schemeClr val="tx1">
-                <a:lumMod val="50000"/>
-                <a:lumOff val="50000"/>
-              </a:schemeClr>
-            </a:solidFill>
-          </a:ln>
-          <a:effectLst>
-            <a:glow rad="139700">
-              <a:schemeClr val="accent5">
-                <a:satMod val="175000"/>
-                <a:alpha val="16000"/>
-              </a:schemeClr>
-            </a:glow>
-            <a:outerShdw blurRad="50800" dist="50800" dir="5400000" algn="ctr" rotWithShape="0">
-              <a:schemeClr val="accent5">
-                <a:lumMod val="60000"/>
-                <a:lumOff val="40000"/>
-              </a:schemeClr>
-            </a:outerShdw>
-            <a:softEdge rad="635000"/>
-          </a:effectLst>
-        </p:spPr>
-        <p:style>
-          <a:lnRef idx="2">
-            <a:schemeClr val="accent1">
-              <a:shade val="50000"/>
-            </a:schemeClr>
-          </a:lnRef>
-          <a:fillRef idx="1">
-            <a:schemeClr val="accent1"/>
-          </a:fillRef>
-          <a:effectRef idx="0">
-            <a:schemeClr val="accent1"/>
-          </a:effectRef>
-          <a:fontRef idx="minor">
-            <a:schemeClr val="lt1"/>
-          </a:fontRef>
-        </p:style>
-        <p:txBody>
-          <a:bodyPr rtlCol="0" anchor="ctr"/>
-          <a:lstStyle/>
-          <a:p>
-            <a:pPr algn="ctr"/>
-            <a:endParaRPr lang="de-AT"/>
-          </a:p>
-        </p:txBody>
-      </p:sp>
-      <p:pic>
-        <p:nvPicPr>
-          <p:cNvPr id="26" name="Picture 2" descr="http://tech2build.files.wordpress.com/2013/11/image_thumb5.png%3Fw%3D389%26h%3D318">
-            <a:extLst>
-              <a:ext uri="{FF2B5EF4-FFF2-40B4-BE49-F238E27FC236}">
-                <a16:creationId xmlns:a16="http://schemas.microsoft.com/office/drawing/2014/main" id="{26117AB8-DD55-CCBA-08D0-C4D66132EF7C}"/>
-              </a:ext>
-            </a:extLst>
-          </p:cNvPr>
-          <p:cNvPicPr>
-            <a:picLocks noChangeAspect="1" noChangeArrowheads="1"/>
-          </p:cNvPicPr>
-          <p:nvPr/>
-        </p:nvPicPr>
-        <p:blipFill rotWithShape="1">
-          <a:blip r:embed="rId2">
-            <a:clrChange>
-              <a:clrFrom>
-                <a:srgbClr val="FFFFFF"/>
-              </a:clrFrom>
-              <a:clrTo>
-                <a:srgbClr val="FFFFFF">
-                  <a:alpha val="0"/>
-                </a:srgbClr>
-              </a:clrTo>
-            </a:clrChange>
-            <a:extLst>
-              <a:ext uri="{28A0092B-C50C-407E-A947-70E740481C1C}">
-                <a14:useLocalDpi xmlns:a14="http://schemas.microsoft.com/office/drawing/2010/main" val="0"/>
-              </a:ext>
-            </a:extLst>
-          </a:blip>
-          <a:srcRect r="3016" b="3900"/>
-          <a:stretch/>
-        </p:blipFill>
-        <p:spPr bwMode="auto">
-          <a:xfrm>
-            <a:off x="2345760" y="2375614"/>
-            <a:ext cx="4685850" cy="3795712"/>
-          </a:xfrm>
-          <a:prstGeom prst="rect">
-            <a:avLst/>
-          </a:prstGeom>
-          <a:noFill/>
-          <a:extLst>
-            <a:ext uri="{909E8E84-426E-40DD-AFC4-6F175D3DCCD1}">
-              <a14:hiddenFill xmlns:a14="http://schemas.microsoft.com/office/drawing/2010/main">
-                <a:solidFill>
-                  <a:srgbClr val="FFFFFF"/>
-                </a:solidFill>
-              </a14:hiddenFill>
-            </a:ext>
-          </a:extLst>
-        </p:spPr>
-      </p:pic>
-      <p:sp>
-        <p:nvSpPr>
-          <p:cNvPr id="27" name="Isosceles Triangle 26">
-            <a:extLst>
-              <a:ext uri="{FF2B5EF4-FFF2-40B4-BE49-F238E27FC236}">
-                <a16:creationId xmlns:a16="http://schemas.microsoft.com/office/drawing/2014/main" id="{F57B093C-0BD2-8B39-B403-9C525CBB0198}"/>
-              </a:ext>
-            </a:extLst>
-          </p:cNvPr>
-          <p:cNvSpPr/>
-          <p:nvPr/>
-        </p:nvSpPr>
-        <p:spPr>
-          <a:xfrm rot="6243349">
-            <a:off x="2651892" y="2542925"/>
-            <a:ext cx="2095009" cy="2554061"/>
-          </a:xfrm>
-          <a:prstGeom prst="triangle">
-            <a:avLst/>
-          </a:prstGeom>
-          <a:solidFill>
-            <a:schemeClr val="bg1"/>
-          </a:solidFill>
-          <a:ln>
-            <a:noFill/>
-          </a:ln>
-        </p:spPr>
-        <p:style>
-          <a:lnRef idx="2">
-            <a:schemeClr val="accent1">
-              <a:shade val="50000"/>
-            </a:schemeClr>
-          </a:lnRef>
-          <a:fillRef idx="1">
-            <a:schemeClr val="accent1"/>
-          </a:fillRef>
-          <a:effectRef idx="0">
-            <a:schemeClr val="accent1"/>
-          </a:effectRef>
-          <a:fontRef idx="minor">
-            <a:schemeClr val="lt1"/>
-          </a:fontRef>
-        </p:style>
-        <p:txBody>
-          <a:bodyPr rtlCol="0" anchor="ctr"/>
-          <a:lstStyle/>
-          <a:p>
-            <a:pPr algn="ctr"/>
-            <a:endParaRPr lang="de-AT"/>
-          </a:p>
-        </p:txBody>
-      </p:sp>
-      <p:sp>
-        <p:nvSpPr>
-          <p:cNvPr id="28" name="Isosceles Triangle 27">
-            <a:extLst>
-              <a:ext uri="{FF2B5EF4-FFF2-40B4-BE49-F238E27FC236}">
-                <a16:creationId xmlns:a16="http://schemas.microsoft.com/office/drawing/2014/main" id="{FF35EB96-C8E4-DD17-B417-89EB517999E5}"/>
-              </a:ext>
-            </a:extLst>
-          </p:cNvPr>
-          <p:cNvSpPr/>
-          <p:nvPr/>
-        </p:nvSpPr>
-        <p:spPr>
-          <a:xfrm rot="10800000">
-            <a:off x="2900472" y="2560720"/>
-            <a:ext cx="3340099" cy="1354434"/>
-          </a:xfrm>
-          <a:prstGeom prst="triangle">
-            <a:avLst/>
-          </a:prstGeom>
-          <a:solidFill>
-            <a:schemeClr val="bg1"/>
-          </a:solidFill>
-          <a:ln>
-            <a:noFill/>
-          </a:ln>
-        </p:spPr>
-        <p:style>
-          <a:lnRef idx="2">
-            <a:schemeClr val="accent1">
-              <a:shade val="50000"/>
-            </a:schemeClr>
-          </a:lnRef>
-          <a:fillRef idx="1">
-            <a:schemeClr val="accent1"/>
-          </a:fillRef>
-          <a:effectRef idx="0">
-            <a:schemeClr val="accent1"/>
-          </a:effectRef>
-          <a:fontRef idx="minor">
-            <a:schemeClr val="lt1"/>
-          </a:fontRef>
-        </p:style>
-        <p:txBody>
-          <a:bodyPr rtlCol="0" anchor="ctr"/>
-          <a:lstStyle/>
-          <a:p>
-            <a:pPr algn="ctr"/>
-            <a:endParaRPr lang="de-AT"/>
-          </a:p>
-        </p:txBody>
-      </p:sp>
-      <p:sp>
-        <p:nvSpPr>
-          <p:cNvPr id="29" name="Isosceles Triangle 28">
-            <a:extLst>
-              <a:ext uri="{FF2B5EF4-FFF2-40B4-BE49-F238E27FC236}">
-                <a16:creationId xmlns:a16="http://schemas.microsoft.com/office/drawing/2014/main" id="{99F80C30-A368-FC13-F03E-FFA0E3DD6BE2}"/>
-              </a:ext>
-            </a:extLst>
-          </p:cNvPr>
-          <p:cNvSpPr/>
-          <p:nvPr/>
-        </p:nvSpPr>
-        <p:spPr>
-          <a:xfrm rot="14970644">
-            <a:off x="4732518" y="2533281"/>
-            <a:ext cx="2095009" cy="2187361"/>
-          </a:xfrm>
-          <a:prstGeom prst="triangle">
-            <a:avLst/>
-          </a:prstGeom>
-          <a:solidFill>
-            <a:schemeClr val="bg1"/>
-          </a:solidFill>
-          <a:ln>
-            <a:noFill/>
-          </a:ln>
-        </p:spPr>
-        <p:style>
-          <a:lnRef idx="2">
-            <a:schemeClr val="accent1">
-              <a:shade val="50000"/>
-            </a:schemeClr>
-          </a:lnRef>
-          <a:fillRef idx="1">
-            <a:schemeClr val="accent1"/>
-          </a:fillRef>
-          <a:effectRef idx="0">
-            <a:schemeClr val="accent1"/>
-          </a:effectRef>
-          <a:fontRef idx="minor">
-            <a:schemeClr val="lt1"/>
-          </a:fontRef>
-        </p:style>
-        <p:txBody>
-          <a:bodyPr rtlCol="0" anchor="ctr"/>
-          <a:lstStyle/>
-          <a:p>
-            <a:pPr algn="ctr"/>
-            <a:endParaRPr lang="de-AT"/>
-          </a:p>
-        </p:txBody>
-      </p:sp>
-      <p:sp>
-        <p:nvSpPr>
-          <p:cNvPr id="30" name="Isosceles Triangle 29">
-            <a:extLst>
-              <a:ext uri="{FF2B5EF4-FFF2-40B4-BE49-F238E27FC236}">
-                <a16:creationId xmlns:a16="http://schemas.microsoft.com/office/drawing/2014/main" id="{AA77C0A1-E00B-CE5E-03F0-AF8FC0628FDD}"/>
-              </a:ext>
-            </a:extLst>
-          </p:cNvPr>
-          <p:cNvSpPr/>
-          <p:nvPr/>
-        </p:nvSpPr>
-        <p:spPr>
-          <a:xfrm rot="17654806">
-            <a:off x="4459334" y="3448150"/>
-            <a:ext cx="2095009" cy="2554061"/>
-          </a:xfrm>
-          <a:prstGeom prst="triangle">
-            <a:avLst/>
-          </a:prstGeom>
-          <a:solidFill>
-            <a:schemeClr val="bg1"/>
-          </a:solidFill>
-          <a:ln>
-            <a:noFill/>
-          </a:ln>
-          <a:effectLst>
-            <a:glow rad="139700">
-              <a:schemeClr val="accent5">
-                <a:satMod val="175000"/>
-                <a:alpha val="16000"/>
-              </a:schemeClr>
-            </a:glow>
-            <a:outerShdw blurRad="50800" dist="50800" dir="5400000" algn="ctr" rotWithShape="0">
-              <a:schemeClr val="accent5">
-                <a:lumMod val="60000"/>
-                <a:lumOff val="40000"/>
-              </a:schemeClr>
-            </a:outerShdw>
-          </a:effectLst>
-        </p:spPr>
-        <p:style>
-          <a:lnRef idx="2">
-            <a:schemeClr val="accent1">
-              <a:shade val="50000"/>
-            </a:schemeClr>
-          </a:lnRef>
-          <a:fillRef idx="1">
-            <a:schemeClr val="accent1"/>
-          </a:fillRef>
-          <a:effectRef idx="0">
-            <a:schemeClr val="accent1"/>
-          </a:effectRef>
-          <a:fontRef idx="minor">
-            <a:schemeClr val="lt1"/>
-          </a:fontRef>
-        </p:style>
-        <p:txBody>
-          <a:bodyPr rtlCol="0" anchor="ctr"/>
-          <a:lstStyle/>
-          <a:p>
-            <a:pPr algn="ctr"/>
-            <a:endParaRPr lang="de-AT"/>
-          </a:p>
-        </p:txBody>
-      </p:sp>
-      <p:sp>
-        <p:nvSpPr>
-          <p:cNvPr id="31" name="Isosceles Triangle 30">
-            <a:extLst>
-              <a:ext uri="{FF2B5EF4-FFF2-40B4-BE49-F238E27FC236}">
-                <a16:creationId xmlns:a16="http://schemas.microsoft.com/office/drawing/2014/main" id="{D1FA2BBE-5C15-DA36-EC57-954BEB9A90CC}"/>
-              </a:ext>
-            </a:extLst>
-          </p:cNvPr>
-          <p:cNvSpPr/>
-          <p:nvPr/>
-        </p:nvSpPr>
-        <p:spPr>
-          <a:xfrm>
-            <a:off x="3520126" y="4654409"/>
-            <a:ext cx="2543602" cy="1629630"/>
-          </a:xfrm>
-          <a:prstGeom prst="triangle">
-            <a:avLst/>
-          </a:prstGeom>
-          <a:solidFill>
-            <a:schemeClr val="bg1"/>
-          </a:solidFill>
-          <a:ln>
-            <a:noFill/>
-          </a:ln>
-          <a:effectLst>
-            <a:glow rad="139700">
-              <a:schemeClr val="accent5">
-                <a:satMod val="175000"/>
-                <a:alpha val="16000"/>
-              </a:schemeClr>
-            </a:glow>
-            <a:outerShdw blurRad="50800" dist="50800" dir="5400000" algn="ctr" rotWithShape="0">
-              <a:schemeClr val="accent5">
-                <a:lumMod val="60000"/>
-                <a:lumOff val="40000"/>
-              </a:schemeClr>
-            </a:outerShdw>
-          </a:effectLst>
-        </p:spPr>
-        <p:style>
-          <a:lnRef idx="2">
-            <a:schemeClr val="accent1">
-              <a:shade val="50000"/>
-            </a:schemeClr>
-          </a:lnRef>
-          <a:fillRef idx="1">
-            <a:schemeClr val="accent1"/>
-          </a:fillRef>
-          <a:effectRef idx="0">
-            <a:schemeClr val="accent1"/>
-          </a:effectRef>
-          <a:fontRef idx="minor">
-            <a:schemeClr val="lt1"/>
-          </a:fontRef>
-        </p:style>
-        <p:txBody>
-          <a:bodyPr rtlCol="0" anchor="ctr"/>
-          <a:lstStyle/>
-          <a:p>
-            <a:pPr algn="ctr"/>
-            <a:endParaRPr lang="de-AT"/>
-          </a:p>
-        </p:txBody>
-      </p:sp>
-      <p:sp>
-        <p:nvSpPr>
-          <p:cNvPr id="32" name="Isosceles Triangle 31">
-            <a:extLst>
-              <a:ext uri="{FF2B5EF4-FFF2-40B4-BE49-F238E27FC236}">
-                <a16:creationId xmlns:a16="http://schemas.microsoft.com/office/drawing/2014/main" id="{DE21FFF4-CA41-8918-EF0B-06689723ABA8}"/>
-              </a:ext>
-            </a:extLst>
-          </p:cNvPr>
-          <p:cNvSpPr/>
-          <p:nvPr/>
-        </p:nvSpPr>
-        <p:spPr>
-          <a:xfrm rot="3412218">
-            <a:off x="2510986" y="4073652"/>
-            <a:ext cx="2393747" cy="1739634"/>
-          </a:xfrm>
-          <a:prstGeom prst="triangle">
-            <a:avLst/>
-          </a:prstGeom>
-          <a:solidFill>
-            <a:schemeClr val="bg1"/>
-          </a:solidFill>
-          <a:ln>
-            <a:noFill/>
-          </a:ln>
-        </p:spPr>
-        <p:style>
-          <a:lnRef idx="2">
-            <a:schemeClr val="accent1">
-              <a:shade val="50000"/>
-            </a:schemeClr>
-          </a:lnRef>
-          <a:fillRef idx="1">
-            <a:schemeClr val="accent1"/>
-          </a:fillRef>
-          <a:effectRef idx="0">
-            <a:schemeClr val="accent1"/>
-          </a:effectRef>
-          <a:fontRef idx="minor">
-            <a:schemeClr val="lt1"/>
-          </a:fontRef>
-        </p:style>
-        <p:txBody>
-          <a:bodyPr rtlCol="0" anchor="ctr"/>
-          <a:lstStyle/>
-          <a:p>
-            <a:pPr algn="ctr"/>
-            <a:endParaRPr lang="de-AT"/>
-          </a:p>
-        </p:txBody>
-      </p:sp>
-      <p:sp>
-        <p:nvSpPr>
-          <p:cNvPr id="33" name="TextBox 32">
-            <a:extLst>
-              <a:ext uri="{FF2B5EF4-FFF2-40B4-BE49-F238E27FC236}">
-                <a16:creationId xmlns:a16="http://schemas.microsoft.com/office/drawing/2014/main" id="{72C21A42-8D4B-976D-F323-3A6E7CF8FDE5}"/>
-              </a:ext>
-            </a:extLst>
-          </p:cNvPr>
-          <p:cNvSpPr txBox="1"/>
-          <p:nvPr/>
-        </p:nvSpPr>
-        <p:spPr>
-          <a:xfrm>
-            <a:off x="8969914" y="3813569"/>
-            <a:ext cx="2105705" cy="769441"/>
-          </a:xfrm>
-          <a:prstGeom prst="rect">
-            <a:avLst/>
-          </a:prstGeom>
-          <a:noFill/>
         </p:spPr>
         <p:txBody>
-          <a:bodyPr wrap="none" rtlCol="0">
-            <a:spAutoFit/>
+          <a:bodyPr>
+            <a:normAutofit fontScale="77500" lnSpcReduction="20000"/>
           </a:bodyPr>
           <a:lstStyle/>
           <a:p>
             <a:r>
-              <a:rPr lang="de-AT" sz="4400" dirty="0" err="1">
-                <a:solidFill>
-                  <a:schemeClr val="accent6">
-                    <a:lumMod val="75000"/>
-                  </a:schemeClr>
-                </a:solidFill>
-              </a:rPr>
-              <a:t>Refactor</a:t>
-            </a:r>
-            <a:endParaRPr lang="de-AT" sz="4400" dirty="0">
-              <a:solidFill>
-                <a:schemeClr val="accent6">
-                  <a:lumMod val="75000"/>
-                </a:schemeClr>
-              </a:solidFill>
-            </a:endParaRPr>
-          </a:p>
-        </p:txBody>
-      </p:sp>
-      <p:sp>
-        <p:nvSpPr>
-          <p:cNvPr id="34" name="TextBox 33">
-            <a:extLst>
-              <a:ext uri="{FF2B5EF4-FFF2-40B4-BE49-F238E27FC236}">
-                <a16:creationId xmlns:a16="http://schemas.microsoft.com/office/drawing/2014/main" id="{83621A83-CB8D-89AD-1AFE-229214BC1724}"/>
-              </a:ext>
-            </a:extLst>
-          </p:cNvPr>
-          <p:cNvSpPr txBox="1"/>
-          <p:nvPr/>
-        </p:nvSpPr>
-        <p:spPr>
-          <a:xfrm>
-            <a:off x="8969914" y="3107570"/>
-            <a:ext cx="1587871" cy="769441"/>
-          </a:xfrm>
-          <a:prstGeom prst="rect">
-            <a:avLst/>
-          </a:prstGeom>
-          <a:noFill/>
-        </p:spPr>
-        <p:txBody>
-          <a:bodyPr wrap="none" rtlCol="0">
-            <a:spAutoFit/>
-          </a:bodyPr>
-          <a:lstStyle/>
-          <a:p>
-            <a:r>
-              <a:rPr lang="de-AT" sz="4400" dirty="0">
-                <a:solidFill>
-                  <a:schemeClr val="accent6">
-                    <a:lumMod val="75000"/>
-                  </a:schemeClr>
-                </a:solidFill>
-              </a:rPr>
-              <a:t>Green</a:t>
-            </a:r>
-          </a:p>
-        </p:txBody>
-      </p:sp>
-      <p:sp>
-        <p:nvSpPr>
-          <p:cNvPr id="35" name="TextBox 34">
-            <a:extLst>
-              <a:ext uri="{FF2B5EF4-FFF2-40B4-BE49-F238E27FC236}">
-                <a16:creationId xmlns:a16="http://schemas.microsoft.com/office/drawing/2014/main" id="{588A9DC9-8D41-81D4-9C2E-2E452DC6E5C7}"/>
-              </a:ext>
-            </a:extLst>
-          </p:cNvPr>
-          <p:cNvSpPr txBox="1"/>
-          <p:nvPr/>
-        </p:nvSpPr>
-        <p:spPr>
-          <a:xfrm>
-            <a:off x="8969914" y="2401571"/>
-            <a:ext cx="1057982" cy="769441"/>
-          </a:xfrm>
-          <a:prstGeom prst="rect">
-            <a:avLst/>
-          </a:prstGeom>
-          <a:noFill/>
-        </p:spPr>
-        <p:txBody>
-          <a:bodyPr wrap="none" rtlCol="0">
-            <a:spAutoFit/>
-          </a:bodyPr>
-          <a:lstStyle/>
-          <a:p>
-            <a:r>
-              <a:rPr lang="de-AT" sz="4400" dirty="0" err="1">
-                <a:solidFill>
-                  <a:srgbClr val="C00000"/>
-                </a:solidFill>
-              </a:rPr>
-              <a:t>Red</a:t>
-            </a:r>
-            <a:endParaRPr lang="de-AT" sz="4400" dirty="0">
-              <a:solidFill>
-                <a:schemeClr val="accent6">
-                  <a:lumMod val="75000"/>
-                </a:schemeClr>
-              </a:solidFill>
-            </a:endParaRPr>
+              <a:rPr lang="de-AT" dirty="0"/>
+              <a:t>Einen Aspekt des Systems entkoppelt testen</a:t>
+            </a:r>
+          </a:p>
+          <a:p>
+            <a:pPr lvl="1"/>
+            <a:r>
+              <a:rPr lang="de-AT" dirty="0"/>
+              <a:t>Vermeiden, dass eine Änderung einen großen Teil der Testsuite invalidiert</a:t>
+            </a:r>
+          </a:p>
+          <a:p>
+            <a:pPr lvl="1"/>
+            <a:r>
+              <a:rPr lang="de-AT" dirty="0"/>
+              <a:t>Dependencies auf Fremdsysteme (oder 3rd Party Frameworks) simulieren</a:t>
+            </a:r>
+          </a:p>
+          <a:p>
+            <a:r>
+              <a:rPr lang="de-AT" dirty="0"/>
+              <a:t>Dauer der Testdurchlaufzeiten und somit der </a:t>
+            </a:r>
+            <a:r>
+              <a:rPr lang="de-AT" dirty="0" err="1"/>
+              <a:t>Feedbackcycles</a:t>
+            </a:r>
+            <a:r>
+              <a:rPr lang="de-AT" dirty="0"/>
+              <a:t> verkürzen</a:t>
+            </a:r>
+          </a:p>
+          <a:p>
+            <a:pPr lvl="1"/>
+            <a:r>
+              <a:rPr lang="de-AT" dirty="0"/>
+              <a:t>Calls auf FileSystem/DB/Services kosten Zeit</a:t>
+            </a:r>
+          </a:p>
+          <a:p>
+            <a:r>
+              <a:rPr lang="de-AT" dirty="0"/>
+              <a:t>Keine Automatisierten REST/SOAP/etc Calls am CI!</a:t>
+            </a:r>
+          </a:p>
+          <a:p>
+            <a:r>
+              <a:rPr lang="de-AT" dirty="0"/>
+              <a:t>Fokussiertes Feedback</a:t>
+            </a:r>
+          </a:p>
+          <a:p>
+            <a:pPr lvl="1"/>
+            <a:r>
+              <a:rPr lang="de-AT" dirty="0"/>
+              <a:t>Der eine Test schlägt fehl weil die eine Methode/Klasse einen Fehler hat</a:t>
+            </a:r>
+          </a:p>
+          <a:p>
+            <a:pPr lvl="2"/>
+            <a:endParaRPr lang="de-AT" dirty="0"/>
           </a:p>
         </p:txBody>
       </p:sp>
     </p:spTree>
     <p:extLst>
       <p:ext uri="{BB962C8B-B14F-4D97-AF65-F5344CB8AC3E}">
-        <p14:creationId xmlns:p14="http://schemas.microsoft.com/office/powerpoint/2010/main" val="3942751863"/>
+        <p14:creationId xmlns:p14="http://schemas.microsoft.com/office/powerpoint/2010/main" val="2833779185"/>
       </p:ext>
     </p:extLst>
   </p:cSld>
   <p:clrMapOvr>
     <a:masterClrMapping/>
   </p:clrMapOvr>
-  <p:timing>
-    <p:tnLst>
-      <p:par>
-        <p:cTn id="1" dur="indefinite" restart="never" nodeType="tmRoot">
-          <p:childTnLst>
-            <p:seq concurrent="1" nextAc="seek">
-              <p:cTn id="2" dur="indefinite" nodeType="mainSeq">
-                <p:childTnLst>
-                  <p:par>
-                    <p:cTn id="3" fill="hold">
-                      <p:stCondLst>
-                        <p:cond delay="indefinite"/>
-                      </p:stCondLst>
-                      <p:childTnLst>
-                        <p:par>
-                          <p:cTn id="4" fill="hold">
-                            <p:stCondLst>
-                              <p:cond delay="0"/>
-                            </p:stCondLst>
-                            <p:childTnLst>
-                              <p:par>
-                                <p:cTn id="5" presetID="22" presetClass="exit" presetSubtype="8" fill="hold" grpId="0" nodeType="clickEffect">
-                                  <p:stCondLst>
-                                    <p:cond delay="0"/>
-                                  </p:stCondLst>
-                                  <p:childTnLst>
-                                    <p:animEffect transition="out" filter="wipe(left)">
-                                      <p:cBhvr>
-                                        <p:cTn id="6" dur="500"/>
-                                        <p:tgtEl>
-                                          <p:spTgt spid="27"/>
-                                        </p:tgtEl>
-                                      </p:cBhvr>
-                                    </p:animEffect>
-                                    <p:set>
-                                      <p:cBhvr>
-                                        <p:cTn id="7" dur="1" fill="hold">
-                                          <p:stCondLst>
-                                            <p:cond delay="499"/>
-                                          </p:stCondLst>
-                                        </p:cTn>
-                                        <p:tgtEl>
-                                          <p:spTgt spid="27"/>
-                                        </p:tgtEl>
-                                        <p:attrNameLst>
-                                          <p:attrName>style.visibility</p:attrName>
-                                        </p:attrNameLst>
-                                      </p:cBhvr>
-                                      <p:to>
-                                        <p:strVal val="hidden"/>
-                                      </p:to>
-                                    </p:set>
-                                  </p:childTnLst>
-                                </p:cTn>
-                              </p:par>
-                            </p:childTnLst>
-                          </p:cTn>
-                        </p:par>
-                      </p:childTnLst>
-                    </p:cTn>
-                  </p:par>
-                  <p:par>
-                    <p:cTn id="8" fill="hold">
-                      <p:stCondLst>
-                        <p:cond delay="indefinite"/>
-                      </p:stCondLst>
-                      <p:childTnLst>
-                        <p:par>
-                          <p:cTn id="9" fill="hold">
-                            <p:stCondLst>
-                              <p:cond delay="0"/>
-                            </p:stCondLst>
-                            <p:childTnLst>
-                              <p:par>
-                                <p:cTn id="10" presetID="22" presetClass="exit" presetSubtype="8" fill="hold" grpId="0" nodeType="clickEffect">
-                                  <p:stCondLst>
-                                    <p:cond delay="0"/>
-                                  </p:stCondLst>
-                                  <p:childTnLst>
-                                    <p:animEffect transition="out" filter="wipe(left)">
-                                      <p:cBhvr>
-                                        <p:cTn id="11" dur="500"/>
-                                        <p:tgtEl>
-                                          <p:spTgt spid="28"/>
-                                        </p:tgtEl>
-                                      </p:cBhvr>
-                                    </p:animEffect>
-                                    <p:set>
-                                      <p:cBhvr>
-                                        <p:cTn id="12" dur="1" fill="hold">
-                                          <p:stCondLst>
-                                            <p:cond delay="499"/>
-                                          </p:stCondLst>
-                                        </p:cTn>
-                                        <p:tgtEl>
-                                          <p:spTgt spid="28"/>
-                                        </p:tgtEl>
-                                        <p:attrNameLst>
-                                          <p:attrName>style.visibility</p:attrName>
-                                        </p:attrNameLst>
-                                      </p:cBhvr>
-                                      <p:to>
-                                        <p:strVal val="hidden"/>
-                                      </p:to>
-                                    </p:set>
-                                  </p:childTnLst>
-                                </p:cTn>
-                              </p:par>
-                            </p:childTnLst>
-                          </p:cTn>
-                        </p:par>
-                        <p:par>
-                          <p:cTn id="13" fill="hold">
-                            <p:stCondLst>
-                              <p:cond delay="500"/>
-                            </p:stCondLst>
-                            <p:childTnLst>
-                              <p:par>
-                                <p:cTn id="14" presetID="22" presetClass="exit" presetSubtype="8" fill="hold" grpId="0" nodeType="afterEffect">
-                                  <p:stCondLst>
-                                    <p:cond delay="0"/>
-                                  </p:stCondLst>
-                                  <p:childTnLst>
-                                    <p:animEffect transition="out" filter="wipe(left)">
-                                      <p:cBhvr>
-                                        <p:cTn id="15" dur="500"/>
-                                        <p:tgtEl>
-                                          <p:spTgt spid="29"/>
-                                        </p:tgtEl>
-                                      </p:cBhvr>
-                                    </p:animEffect>
-                                    <p:set>
-                                      <p:cBhvr>
-                                        <p:cTn id="16" dur="1" fill="hold">
-                                          <p:stCondLst>
-                                            <p:cond delay="499"/>
-                                          </p:stCondLst>
-                                        </p:cTn>
-                                        <p:tgtEl>
-                                          <p:spTgt spid="29"/>
-                                        </p:tgtEl>
-                                        <p:attrNameLst>
-                                          <p:attrName>style.visibility</p:attrName>
-                                        </p:attrNameLst>
-                                      </p:cBhvr>
-                                      <p:to>
-                                        <p:strVal val="hidden"/>
-                                      </p:to>
-                                    </p:set>
-                                  </p:childTnLst>
-                                </p:cTn>
-                              </p:par>
-                            </p:childTnLst>
-                          </p:cTn>
-                        </p:par>
-                      </p:childTnLst>
-                    </p:cTn>
-                  </p:par>
-                  <p:par>
-                    <p:cTn id="17" fill="hold">
-                      <p:stCondLst>
-                        <p:cond delay="indefinite"/>
-                      </p:stCondLst>
-                      <p:childTnLst>
-                        <p:par>
-                          <p:cTn id="18" fill="hold">
-                            <p:stCondLst>
-                              <p:cond delay="0"/>
-                            </p:stCondLst>
-                            <p:childTnLst>
-                              <p:par>
-                                <p:cTn id="19" presetID="22" presetClass="exit" presetSubtype="1" fill="hold" grpId="0" nodeType="clickEffect">
-                                  <p:stCondLst>
-                                    <p:cond delay="0"/>
-                                  </p:stCondLst>
-                                  <p:childTnLst>
-                                    <p:animEffect transition="out" filter="wipe(up)">
-                                      <p:cBhvr>
-                                        <p:cTn id="20" dur="500"/>
-                                        <p:tgtEl>
-                                          <p:spTgt spid="30"/>
-                                        </p:tgtEl>
-                                      </p:cBhvr>
-                                    </p:animEffect>
-                                    <p:set>
-                                      <p:cBhvr>
-                                        <p:cTn id="21" dur="1" fill="hold">
-                                          <p:stCondLst>
-                                            <p:cond delay="499"/>
-                                          </p:stCondLst>
-                                        </p:cTn>
-                                        <p:tgtEl>
-                                          <p:spTgt spid="30"/>
-                                        </p:tgtEl>
-                                        <p:attrNameLst>
-                                          <p:attrName>style.visibility</p:attrName>
-                                        </p:attrNameLst>
-                                      </p:cBhvr>
-                                      <p:to>
-                                        <p:strVal val="hidden"/>
-                                      </p:to>
-                                    </p:set>
-                                  </p:childTnLst>
-                                </p:cTn>
-                              </p:par>
-                            </p:childTnLst>
-                          </p:cTn>
-                        </p:par>
-                        <p:par>
-                          <p:cTn id="22" fill="hold">
-                            <p:stCondLst>
-                              <p:cond delay="500"/>
-                            </p:stCondLst>
-                            <p:childTnLst>
-                              <p:par>
-                                <p:cTn id="23" presetID="22" presetClass="exit" presetSubtype="8" fill="hold" grpId="0" nodeType="afterEffect">
-                                  <p:stCondLst>
-                                    <p:cond delay="0"/>
-                                  </p:stCondLst>
-                                  <p:childTnLst>
-                                    <p:animEffect transition="out" filter="wipe(left)">
-                                      <p:cBhvr>
-                                        <p:cTn id="24" dur="500"/>
-                                        <p:tgtEl>
-                                          <p:spTgt spid="31"/>
-                                        </p:tgtEl>
-                                      </p:cBhvr>
-                                    </p:animEffect>
-                                    <p:set>
-                                      <p:cBhvr>
-                                        <p:cTn id="25" dur="1" fill="hold">
-                                          <p:stCondLst>
-                                            <p:cond delay="499"/>
-                                          </p:stCondLst>
-                                        </p:cTn>
-                                        <p:tgtEl>
-                                          <p:spTgt spid="31"/>
-                                        </p:tgtEl>
-                                        <p:attrNameLst>
-                                          <p:attrName>style.visibility</p:attrName>
-                                        </p:attrNameLst>
-                                      </p:cBhvr>
-                                      <p:to>
-                                        <p:strVal val="hidden"/>
-                                      </p:to>
-                                    </p:set>
-                                  </p:childTnLst>
-                                </p:cTn>
-                              </p:par>
-                            </p:childTnLst>
-                          </p:cTn>
-                        </p:par>
-                      </p:childTnLst>
-                    </p:cTn>
-                  </p:par>
-                  <p:par>
-                    <p:cTn id="26" fill="hold">
-                      <p:stCondLst>
-                        <p:cond delay="indefinite"/>
-                      </p:stCondLst>
-                      <p:childTnLst>
-                        <p:par>
-                          <p:cTn id="27" fill="hold">
-                            <p:stCondLst>
-                              <p:cond delay="0"/>
-                            </p:stCondLst>
-                            <p:childTnLst>
-                              <p:par>
-                                <p:cTn id="28" presetID="22" presetClass="exit" presetSubtype="2" fill="hold" grpId="0" nodeType="clickEffect">
-                                  <p:stCondLst>
-                                    <p:cond delay="0"/>
-                                  </p:stCondLst>
-                                  <p:childTnLst>
-                                    <p:animEffect transition="out" filter="wipe(right)">
-                                      <p:cBhvr>
-                                        <p:cTn id="29" dur="500"/>
-                                        <p:tgtEl>
-                                          <p:spTgt spid="32"/>
-                                        </p:tgtEl>
-                                      </p:cBhvr>
-                                    </p:animEffect>
-                                    <p:set>
-                                      <p:cBhvr>
-                                        <p:cTn id="30" dur="1" fill="hold">
-                                          <p:stCondLst>
-                                            <p:cond delay="499"/>
-                                          </p:stCondLst>
-                                        </p:cTn>
-                                        <p:tgtEl>
-                                          <p:spTgt spid="32"/>
-                                        </p:tgtEl>
-                                        <p:attrNameLst>
-                                          <p:attrName>style.visibility</p:attrName>
-                                        </p:attrNameLst>
-                                      </p:cBhvr>
-                                      <p:to>
-                                        <p:strVal val="hidden"/>
-                                      </p:to>
-                                    </p:set>
-                                  </p:childTnLst>
-                                </p:cTn>
-                              </p:par>
-                            </p:childTnLst>
-                          </p:cTn>
-                        </p:par>
-                      </p:childTnLst>
-                    </p:cTn>
-                  </p:par>
-                  <p:par>
-                    <p:cTn id="31" fill="hold">
-                      <p:stCondLst>
-                        <p:cond delay="indefinite"/>
-                      </p:stCondLst>
-                      <p:childTnLst>
-                        <p:par>
-                          <p:cTn id="32" fill="hold">
-                            <p:stCondLst>
-                              <p:cond delay="0"/>
-                            </p:stCondLst>
-                            <p:childTnLst>
-                              <p:par>
-                                <p:cTn id="33" presetID="10" presetClass="entr" presetSubtype="0" fill="hold" grpId="0" nodeType="clickEffect">
-                                  <p:stCondLst>
-                                    <p:cond delay="0"/>
-                                  </p:stCondLst>
-                                  <p:childTnLst>
-                                    <p:set>
-                                      <p:cBhvr>
-                                        <p:cTn id="34" dur="1" fill="hold">
-                                          <p:stCondLst>
-                                            <p:cond delay="0"/>
-                                          </p:stCondLst>
-                                        </p:cTn>
-                                        <p:tgtEl>
-                                          <p:spTgt spid="23"/>
-                                        </p:tgtEl>
-                                        <p:attrNameLst>
-                                          <p:attrName>style.visibility</p:attrName>
-                                        </p:attrNameLst>
-                                      </p:cBhvr>
-                                      <p:to>
-                                        <p:strVal val="visible"/>
-                                      </p:to>
-                                    </p:set>
-                                    <p:animEffect transition="in" filter="fade">
-                                      <p:cBhvr>
-                                        <p:cTn id="35" dur="500"/>
-                                        <p:tgtEl>
-                                          <p:spTgt spid="23"/>
-                                        </p:tgtEl>
-                                      </p:cBhvr>
-                                    </p:animEffect>
-                                  </p:childTnLst>
-                                </p:cTn>
-                              </p:par>
-                            </p:childTnLst>
-                          </p:cTn>
-                        </p:par>
-                        <p:par>
-                          <p:cTn id="36" fill="hold">
-                            <p:stCondLst>
-                              <p:cond delay="500"/>
-                            </p:stCondLst>
-                            <p:childTnLst>
-                              <p:par>
-                                <p:cTn id="37" presetID="10" presetClass="entr" presetSubtype="0" fill="hold" grpId="0" nodeType="afterEffect">
-                                  <p:stCondLst>
-                                    <p:cond delay="0"/>
-                                  </p:stCondLst>
-                                  <p:childTnLst>
-                                    <p:set>
-                                      <p:cBhvr>
-                                        <p:cTn id="38" dur="1" fill="hold">
-                                          <p:stCondLst>
-                                            <p:cond delay="0"/>
-                                          </p:stCondLst>
-                                        </p:cTn>
-                                        <p:tgtEl>
-                                          <p:spTgt spid="35">
-                                            <p:txEl>
-                                              <p:pRg st="0" end="0"/>
-                                            </p:txEl>
-                                          </p:spTgt>
-                                        </p:tgtEl>
-                                        <p:attrNameLst>
-                                          <p:attrName>style.visibility</p:attrName>
-                                        </p:attrNameLst>
-                                      </p:cBhvr>
-                                      <p:to>
-                                        <p:strVal val="visible"/>
-                                      </p:to>
-                                    </p:set>
-                                    <p:animEffect transition="in" filter="fade">
-                                      <p:cBhvr>
-                                        <p:cTn id="39" dur="500"/>
-                                        <p:tgtEl>
-                                          <p:spTgt spid="35">
-                                            <p:txEl>
-                                              <p:pRg st="0" end="0"/>
-                                            </p:txEl>
-                                          </p:spTgt>
-                                        </p:tgtEl>
-                                      </p:cBhvr>
-                                    </p:animEffect>
-                                  </p:childTnLst>
-                                </p:cTn>
-                              </p:par>
-                            </p:childTnLst>
-                          </p:cTn>
-                        </p:par>
-                      </p:childTnLst>
-                    </p:cTn>
-                  </p:par>
-                  <p:par>
-                    <p:cTn id="40" fill="hold">
-                      <p:stCondLst>
-                        <p:cond delay="indefinite"/>
-                      </p:stCondLst>
-                      <p:childTnLst>
-                        <p:par>
-                          <p:cTn id="41" fill="hold">
-                            <p:stCondLst>
-                              <p:cond delay="0"/>
-                            </p:stCondLst>
-                            <p:childTnLst>
-                              <p:par>
-                                <p:cTn id="42" presetID="10" presetClass="entr" presetSubtype="0" fill="hold" grpId="0" nodeType="clickEffect">
-                                  <p:stCondLst>
-                                    <p:cond delay="0"/>
-                                  </p:stCondLst>
-                                  <p:childTnLst>
-                                    <p:set>
-                                      <p:cBhvr>
-                                        <p:cTn id="43" dur="1" fill="hold">
-                                          <p:stCondLst>
-                                            <p:cond delay="0"/>
-                                          </p:stCondLst>
-                                        </p:cTn>
-                                        <p:tgtEl>
-                                          <p:spTgt spid="25"/>
-                                        </p:tgtEl>
-                                        <p:attrNameLst>
-                                          <p:attrName>style.visibility</p:attrName>
-                                        </p:attrNameLst>
-                                      </p:cBhvr>
-                                      <p:to>
-                                        <p:strVal val="visible"/>
-                                      </p:to>
-                                    </p:set>
-                                    <p:animEffect transition="in" filter="fade">
-                                      <p:cBhvr>
-                                        <p:cTn id="44" dur="500"/>
-                                        <p:tgtEl>
-                                          <p:spTgt spid="25"/>
-                                        </p:tgtEl>
-                                      </p:cBhvr>
-                                    </p:animEffect>
-                                  </p:childTnLst>
-                                </p:cTn>
-                              </p:par>
-                            </p:childTnLst>
-                          </p:cTn>
-                        </p:par>
-                        <p:par>
-                          <p:cTn id="45" fill="hold">
-                            <p:stCondLst>
-                              <p:cond delay="500"/>
-                            </p:stCondLst>
-                            <p:childTnLst>
-                              <p:par>
-                                <p:cTn id="46" presetID="10" presetClass="entr" presetSubtype="0" fill="hold" grpId="0" nodeType="afterEffect">
-                                  <p:stCondLst>
-                                    <p:cond delay="0"/>
-                                  </p:stCondLst>
-                                  <p:childTnLst>
-                                    <p:set>
-                                      <p:cBhvr>
-                                        <p:cTn id="47" dur="1" fill="hold">
-                                          <p:stCondLst>
-                                            <p:cond delay="0"/>
-                                          </p:stCondLst>
-                                        </p:cTn>
-                                        <p:tgtEl>
-                                          <p:spTgt spid="34">
-                                            <p:txEl>
-                                              <p:pRg st="0" end="0"/>
-                                            </p:txEl>
-                                          </p:spTgt>
-                                        </p:tgtEl>
-                                        <p:attrNameLst>
-                                          <p:attrName>style.visibility</p:attrName>
-                                        </p:attrNameLst>
-                                      </p:cBhvr>
-                                      <p:to>
-                                        <p:strVal val="visible"/>
-                                      </p:to>
-                                    </p:set>
-                                    <p:animEffect transition="in" filter="fade">
-                                      <p:cBhvr>
-                                        <p:cTn id="48" dur="500"/>
-                                        <p:tgtEl>
-                                          <p:spTgt spid="34">
-                                            <p:txEl>
-                                              <p:pRg st="0" end="0"/>
-                                            </p:txEl>
-                                          </p:spTgt>
-                                        </p:tgtEl>
-                                      </p:cBhvr>
-                                    </p:animEffect>
-                                  </p:childTnLst>
-                                </p:cTn>
-                              </p:par>
-                            </p:childTnLst>
-                          </p:cTn>
-                        </p:par>
-                      </p:childTnLst>
-                    </p:cTn>
-                  </p:par>
-                  <p:par>
-                    <p:cTn id="49" fill="hold">
-                      <p:stCondLst>
-                        <p:cond delay="indefinite"/>
-                      </p:stCondLst>
-                      <p:childTnLst>
-                        <p:par>
-                          <p:cTn id="50" fill="hold">
-                            <p:stCondLst>
-                              <p:cond delay="0"/>
-                            </p:stCondLst>
-                            <p:childTnLst>
-                              <p:par>
-                                <p:cTn id="51" presetID="10" presetClass="entr" presetSubtype="0" fill="hold" grpId="0" nodeType="clickEffect">
-                                  <p:stCondLst>
-                                    <p:cond delay="0"/>
-                                  </p:stCondLst>
-                                  <p:childTnLst>
-                                    <p:set>
-                                      <p:cBhvr>
-                                        <p:cTn id="52" dur="1" fill="hold">
-                                          <p:stCondLst>
-                                            <p:cond delay="0"/>
-                                          </p:stCondLst>
-                                        </p:cTn>
-                                        <p:tgtEl>
-                                          <p:spTgt spid="24"/>
-                                        </p:tgtEl>
-                                        <p:attrNameLst>
-                                          <p:attrName>style.visibility</p:attrName>
-                                        </p:attrNameLst>
-                                      </p:cBhvr>
-                                      <p:to>
-                                        <p:strVal val="visible"/>
-                                      </p:to>
-                                    </p:set>
-                                    <p:animEffect transition="in" filter="fade">
-                                      <p:cBhvr>
-                                        <p:cTn id="53" dur="500"/>
-                                        <p:tgtEl>
-                                          <p:spTgt spid="24"/>
-                                        </p:tgtEl>
-                                      </p:cBhvr>
-                                    </p:animEffect>
-                                  </p:childTnLst>
-                                </p:cTn>
-                              </p:par>
-                            </p:childTnLst>
-                          </p:cTn>
-                        </p:par>
-                        <p:par>
-                          <p:cTn id="54" fill="hold">
-                            <p:stCondLst>
-                              <p:cond delay="500"/>
-                            </p:stCondLst>
-                            <p:childTnLst>
-                              <p:par>
-                                <p:cTn id="55" presetID="10" presetClass="entr" presetSubtype="0" fill="hold" grpId="0" nodeType="afterEffect">
-                                  <p:stCondLst>
-                                    <p:cond delay="0"/>
-                                  </p:stCondLst>
-                                  <p:childTnLst>
-                                    <p:set>
-                                      <p:cBhvr>
-                                        <p:cTn id="56" dur="1" fill="hold">
-                                          <p:stCondLst>
-                                            <p:cond delay="0"/>
-                                          </p:stCondLst>
-                                        </p:cTn>
-                                        <p:tgtEl>
-                                          <p:spTgt spid="33">
-                                            <p:txEl>
-                                              <p:pRg st="0" end="0"/>
-                                            </p:txEl>
-                                          </p:spTgt>
-                                        </p:tgtEl>
-                                        <p:attrNameLst>
-                                          <p:attrName>style.visibility</p:attrName>
-                                        </p:attrNameLst>
-                                      </p:cBhvr>
-                                      <p:to>
-                                        <p:strVal val="visible"/>
-                                      </p:to>
-                                    </p:set>
-                                    <p:animEffect transition="in" filter="fade">
-                                      <p:cBhvr>
-                                        <p:cTn id="57" dur="500"/>
-                                        <p:tgtEl>
-                                          <p:spTgt spid="33">
-                                            <p:txEl>
-                                              <p:pRg st="0" end="0"/>
-                                            </p:txEl>
-                                          </p:spTgt>
-                                        </p:tgtEl>
-                                      </p:cBhvr>
-                                    </p:animEffect>
-                                  </p:childTnLst>
-                                </p:cTn>
-                              </p:par>
-                            </p:childTnLst>
-                          </p:cTn>
-                        </p:par>
-                      </p:childTnLst>
-                    </p:cTn>
-                  </p:par>
-                  <p:par>
-                    <p:cTn id="58" fill="hold">
-                      <p:stCondLst>
-                        <p:cond delay="indefinite"/>
-                      </p:stCondLst>
-                      <p:childTnLst>
-                        <p:par>
-                          <p:cTn id="59" fill="hold">
-                            <p:stCondLst>
-                              <p:cond delay="0"/>
-                            </p:stCondLst>
-                            <p:childTnLst>
-                              <p:par>
-                                <p:cTn id="60" presetID="10" presetClass="entr" presetSubtype="0" fill="hold" grpId="0" nodeType="clickEffect">
-                                  <p:stCondLst>
-                                    <p:cond delay="0"/>
-                                  </p:stCondLst>
-                                  <p:childTnLst>
-                                    <p:set>
-                                      <p:cBhvr>
-                                        <p:cTn id="61" dur="1" fill="hold">
-                                          <p:stCondLst>
-                                            <p:cond delay="0"/>
-                                          </p:stCondLst>
-                                        </p:cTn>
-                                        <p:tgtEl>
-                                          <p:spTgt spid="20"/>
-                                        </p:tgtEl>
-                                        <p:attrNameLst>
-                                          <p:attrName>style.visibility</p:attrName>
-                                        </p:attrNameLst>
-                                      </p:cBhvr>
-                                      <p:to>
-                                        <p:strVal val="visible"/>
-                                      </p:to>
-                                    </p:set>
-                                    <p:animEffect transition="in" filter="fade">
-                                      <p:cBhvr>
-                                        <p:cTn id="62" dur="500"/>
-                                        <p:tgtEl>
-                                          <p:spTgt spid="20"/>
-                                        </p:tgtEl>
-                                      </p:cBhvr>
-                                    </p:animEffect>
-                                  </p:childTnLst>
-                                </p:cTn>
-                              </p:par>
-                            </p:childTnLst>
-                          </p:cTn>
-                        </p:par>
-                      </p:childTnLst>
-                    </p:cTn>
-                  </p:par>
-                  <p:par>
-                    <p:cTn id="63" fill="hold">
-                      <p:stCondLst>
-                        <p:cond delay="indefinite"/>
-                      </p:stCondLst>
-                      <p:childTnLst>
-                        <p:par>
-                          <p:cTn id="64" fill="hold">
-                            <p:stCondLst>
-                              <p:cond delay="0"/>
-                            </p:stCondLst>
-                            <p:childTnLst>
-                              <p:par>
-                                <p:cTn id="65" presetID="10" presetClass="entr" presetSubtype="0" fill="hold" grpId="0" nodeType="clickEffect">
-                                  <p:stCondLst>
-                                    <p:cond delay="0"/>
-                                  </p:stCondLst>
-                                  <p:childTnLst>
-                                    <p:set>
-                                      <p:cBhvr>
-                                        <p:cTn id="66" dur="1" fill="hold">
-                                          <p:stCondLst>
-                                            <p:cond delay="0"/>
-                                          </p:stCondLst>
-                                        </p:cTn>
-                                        <p:tgtEl>
-                                          <p:spTgt spid="21"/>
-                                        </p:tgtEl>
-                                        <p:attrNameLst>
-                                          <p:attrName>style.visibility</p:attrName>
-                                        </p:attrNameLst>
-                                      </p:cBhvr>
-                                      <p:to>
-                                        <p:strVal val="visible"/>
-                                      </p:to>
-                                    </p:set>
-                                    <p:animEffect transition="in" filter="fade">
-                                      <p:cBhvr>
-                                        <p:cTn id="67" dur="500"/>
-                                        <p:tgtEl>
-                                          <p:spTgt spid="21"/>
-                                        </p:tgtEl>
-                                      </p:cBhvr>
-                                    </p:animEffect>
-                                  </p:childTnLst>
-                                </p:cTn>
-                              </p:par>
-                            </p:childTnLst>
-                          </p:cTn>
-                        </p:par>
-                      </p:childTnLst>
-                    </p:cTn>
-                  </p:par>
-                  <p:par>
-                    <p:cTn id="68" fill="hold">
-                      <p:stCondLst>
-                        <p:cond delay="indefinite"/>
-                      </p:stCondLst>
-                      <p:childTnLst>
-                        <p:par>
-                          <p:cTn id="69" fill="hold">
-                            <p:stCondLst>
-                              <p:cond delay="0"/>
-                            </p:stCondLst>
-                            <p:childTnLst>
-                              <p:par>
-                                <p:cTn id="70" presetID="10" presetClass="entr" presetSubtype="0" fill="hold" grpId="0" nodeType="clickEffect">
-                                  <p:stCondLst>
-                                    <p:cond delay="0"/>
-                                  </p:stCondLst>
-                                  <p:childTnLst>
-                                    <p:set>
-                                      <p:cBhvr>
-                                        <p:cTn id="71" dur="1" fill="hold">
-                                          <p:stCondLst>
-                                            <p:cond delay="0"/>
-                                          </p:stCondLst>
-                                        </p:cTn>
-                                        <p:tgtEl>
-                                          <p:spTgt spid="22"/>
-                                        </p:tgtEl>
-                                        <p:attrNameLst>
-                                          <p:attrName>style.visibility</p:attrName>
-                                        </p:attrNameLst>
-                                      </p:cBhvr>
-                                      <p:to>
-                                        <p:strVal val="visible"/>
-                                      </p:to>
-                                    </p:set>
-                                    <p:animEffect transition="in" filter="fade">
-                                      <p:cBhvr>
-                                        <p:cTn id="72" dur="500"/>
-                                        <p:tgtEl>
-                                          <p:spTgt spid="22"/>
-                                        </p:tgtEl>
-                                      </p:cBhvr>
-                                    </p:animEffect>
-                                  </p:childTnLst>
-                                </p:cTn>
-                              </p:par>
-                            </p:childTnLst>
-                          </p:cTn>
-                        </p:par>
-                      </p:childTnLst>
-                    </p:cTn>
-                  </p:par>
-                </p:childTnLst>
-              </p:cTn>
-              <p:prevCondLst>
-                <p:cond evt="onPrev" delay="0">
-                  <p:tgtEl>
-                    <p:sldTgt/>
-                  </p:tgtEl>
-                </p:cond>
-              </p:prevCondLst>
-              <p:nextCondLst>
-                <p:cond evt="onNext" delay="0">
-                  <p:tgtEl>
-                    <p:sldTgt/>
-                  </p:tgtEl>
-                </p:cond>
-              </p:nextCondLst>
-            </p:seq>
-          </p:childTnLst>
-        </p:cTn>
-      </p:par>
-    </p:tnLst>
-    <p:bldLst>
-      <p:bldP spid="20" grpId="0" animBg="1"/>
-      <p:bldP spid="21" grpId="0" animBg="1"/>
-      <p:bldP spid="22" grpId="0" animBg="1"/>
-      <p:bldP spid="23" grpId="0" animBg="1"/>
-      <p:bldP spid="24" grpId="0" animBg="1"/>
-      <p:bldP spid="25" grpId="0" animBg="1"/>
-      <p:bldP spid="27" grpId="0" animBg="1"/>
-      <p:bldP spid="28" grpId="0" animBg="1"/>
-      <p:bldP spid="29" grpId="0" animBg="1"/>
-      <p:bldP spid="30" grpId="0" animBg="1"/>
-      <p:bldP spid="31" grpId="0" animBg="1"/>
-      <p:bldP spid="32" grpId="0" animBg="1"/>
-      <p:bldP spid="33" grpId="0" uiExpand="1" build="p"/>
-      <p:bldP spid="34" grpId="0" build="p"/>
-      <p:bldP spid="35" grpId="0" build="p"/>
-    </p:bldLst>
-  </p:timing>
 </p:sld>
 </file>
 
@@ -10923,167 +8887,6 @@
           <a:lstStyle/>
           <a:p>
             <a:r>
-              <a:rPr lang="en-GB" dirty="0" err="1"/>
-              <a:t>Warum</a:t>
-            </a:r>
-            <a:r>
-              <a:rPr lang="en-GB" dirty="0"/>
-              <a:t>?</a:t>
-            </a:r>
-            <a:endParaRPr lang="en-AT" dirty="0"/>
-          </a:p>
-        </p:txBody>
-      </p:sp>
-      <p:sp>
-        <p:nvSpPr>
-          <p:cNvPr id="5" name="Content Placeholder 2">
-            <a:extLst>
-              <a:ext uri="{FF2B5EF4-FFF2-40B4-BE49-F238E27FC236}">
-                <a16:creationId xmlns:a16="http://schemas.microsoft.com/office/drawing/2014/main" id="{EF193631-622E-53A8-4568-BDC973DB021B}"/>
-              </a:ext>
-            </a:extLst>
-          </p:cNvPr>
-          <p:cNvSpPr>
-            <a:spLocks noGrp="1"/>
-          </p:cNvSpPr>
-          <p:nvPr>
-            <p:ph type="body" sz="quarter" idx="13"/>
-          </p:nvPr>
-        </p:nvSpPr>
-        <p:spPr>
-          <a:xfrm>
-            <a:off x="838474" y="1543510"/>
-            <a:ext cx="10345738" cy="4159250"/>
-          </a:xfrm>
-        </p:spPr>
-        <p:txBody>
-          <a:bodyPr>
-            <a:normAutofit fontScale="77500" lnSpcReduction="20000"/>
-          </a:bodyPr>
-          <a:lstStyle/>
-          <a:p>
-            <a:r>
-              <a:rPr lang="de-AT" dirty="0"/>
-              <a:t>Einen Aspekt des Systems entkoppelt testen</a:t>
-            </a:r>
-          </a:p>
-          <a:p>
-            <a:pPr lvl="1"/>
-            <a:r>
-              <a:rPr lang="de-AT" dirty="0"/>
-              <a:t>Vermeiden, dass eine Änderung einen großen Teil der Testsuite invalidiert</a:t>
-            </a:r>
-          </a:p>
-          <a:p>
-            <a:pPr lvl="1"/>
-            <a:r>
-              <a:rPr lang="de-AT" dirty="0"/>
-              <a:t>Dependencies auf Fremdsysteme (oder 3rd Party Frameworks) simulieren</a:t>
-            </a:r>
-          </a:p>
-          <a:p>
-            <a:r>
-              <a:rPr lang="de-AT" dirty="0"/>
-              <a:t>Dauer der Testdurchlaufzeiten und somit der </a:t>
-            </a:r>
-            <a:r>
-              <a:rPr lang="de-AT" dirty="0" err="1"/>
-              <a:t>Feedbackcycles</a:t>
-            </a:r>
-            <a:r>
-              <a:rPr lang="de-AT" dirty="0"/>
-              <a:t> verkürzen</a:t>
-            </a:r>
-          </a:p>
-          <a:p>
-            <a:pPr lvl="1"/>
-            <a:r>
-              <a:rPr lang="de-AT" dirty="0"/>
-              <a:t>Calls auf FileSystem/DB/Services kosten Zeit</a:t>
-            </a:r>
-          </a:p>
-          <a:p>
-            <a:r>
-              <a:rPr lang="de-AT" dirty="0"/>
-              <a:t>Keine Automatisierten REST/SOAP/etc Calls am CI!</a:t>
-            </a:r>
-          </a:p>
-          <a:p>
-            <a:r>
-              <a:rPr lang="de-AT" dirty="0"/>
-              <a:t>Fokussiertes Feedback</a:t>
-            </a:r>
-          </a:p>
-          <a:p>
-            <a:pPr lvl="1"/>
-            <a:r>
-              <a:rPr lang="de-AT" dirty="0"/>
-              <a:t>Der eine Test schlägt fehl weil die eine Methode/Klasse einen Fehler hat</a:t>
-            </a:r>
-          </a:p>
-          <a:p>
-            <a:pPr lvl="2"/>
-            <a:endParaRPr lang="de-AT" dirty="0"/>
-          </a:p>
-        </p:txBody>
-      </p:sp>
-    </p:spTree>
-    <p:extLst>
-      <p:ext uri="{BB962C8B-B14F-4D97-AF65-F5344CB8AC3E}">
-        <p14:creationId xmlns:p14="http://schemas.microsoft.com/office/powerpoint/2010/main" val="2833779185"/>
-      </p:ext>
-    </p:extLst>
-  </p:cSld>
-  <p:clrMapOvr>
-    <a:masterClrMapping/>
-  </p:clrMapOvr>
-</p:sld>
-</file>
-
-<file path=ppt/slides/slide7.xml><?xml version="1.0" encoding="utf-8"?>
-<p:sld xmlns:a="http://schemas.openxmlformats.org/drawingml/2006/main" xmlns:r="http://schemas.openxmlformats.org/officeDocument/2006/relationships" xmlns:p="http://schemas.openxmlformats.org/presentationml/2006/main">
-  <p:cSld>
-    <p:spTree>
-      <p:nvGrpSpPr>
-        <p:cNvPr id="1" name=""/>
-        <p:cNvGrpSpPr/>
-        <p:nvPr/>
-      </p:nvGrpSpPr>
-      <p:grpSpPr>
-        <a:xfrm>
-          <a:off x="0" y="0"/>
-          <a:ext cx="0" cy="0"/>
-          <a:chOff x="0" y="0"/>
-          <a:chExt cx="0" cy="0"/>
-        </a:xfrm>
-      </p:grpSpPr>
-      <p:sp>
-        <p:nvSpPr>
-          <p:cNvPr id="3" name="Title 2">
-            <a:extLst>
-              <a:ext uri="{FF2B5EF4-FFF2-40B4-BE49-F238E27FC236}">
-                <a16:creationId xmlns:a16="http://schemas.microsoft.com/office/drawing/2014/main" id="{228C96B3-ED36-32E6-DD5A-F380A53C722F}"/>
-              </a:ext>
-            </a:extLst>
-          </p:cNvPr>
-          <p:cNvSpPr>
-            <a:spLocks noGrp="1"/>
-          </p:cNvSpPr>
-          <p:nvPr>
-            <p:ph type="title"/>
-          </p:nvPr>
-        </p:nvSpPr>
-        <p:spPr>
-          <a:xfrm>
-            <a:off x="837565" y="740701"/>
-            <a:ext cx="10346647" cy="594715"/>
-          </a:xfrm>
-        </p:spPr>
-        <p:txBody>
-          <a:bodyPr/>
-          <a:lstStyle/>
-          <a:p>
-            <a:r>
               <a:rPr lang="en-GB" dirty="0"/>
               <a:t>How?</a:t>
             </a:r>
@@ -11162,7 +8965,7 @@
         </p:nvSpPr>
         <p:spPr>
           <a:xfrm>
-            <a:off x="8583084" y="2783687"/>
+            <a:off x="8502061" y="3632668"/>
             <a:ext cx="2033981" cy="1387049"/>
           </a:xfrm>
           <a:prstGeom prst="rect">
@@ -11221,7 +9024,7 @@
         </p:nvSpPr>
         <p:spPr>
           <a:xfrm>
-            <a:off x="6285933" y="2783687"/>
+            <a:off x="6204910" y="3632668"/>
             <a:ext cx="1984917" cy="1387049"/>
           </a:xfrm>
           <a:prstGeom prst="rect">
@@ -11278,7 +9081,7 @@
         </p:nvSpPr>
         <p:spPr>
           <a:xfrm>
-            <a:off x="6290392" y="2151650"/>
+            <a:off x="6209369" y="3000631"/>
             <a:ext cx="4326673" cy="428369"/>
           </a:xfrm>
           <a:prstGeom prst="rect">
@@ -11330,7 +9133,7 @@
         </p:nvCxnSpPr>
         <p:spPr>
           <a:xfrm flipV="1">
-            <a:off x="7278392" y="2580019"/>
+            <a:off x="7197369" y="3429000"/>
             <a:ext cx="0" cy="203668"/>
           </a:xfrm>
           <a:prstGeom prst="straightConnector1">
@@ -11372,7 +9175,7 @@
         </p:nvCxnSpPr>
         <p:spPr>
           <a:xfrm flipV="1">
-            <a:off x="9600075" y="2580019"/>
+            <a:off x="9519052" y="3429000"/>
             <a:ext cx="0" cy="203668"/>
           </a:xfrm>
           <a:prstGeom prst="straightConnector1">
@@ -11414,306 +9217,7 @@
         </p:nvCxnSpPr>
         <p:spPr>
           <a:xfrm>
-            <a:off x="5043688" y="2365835"/>
-            <a:ext cx="1246704" cy="0"/>
-          </a:xfrm>
-          <a:prstGeom prst="straightConnector1">
-            <a:avLst/>
-          </a:prstGeom>
-          <a:ln>
-            <a:tailEnd type="triangle"/>
-          </a:ln>
-        </p:spPr>
-        <p:style>
-          <a:lnRef idx="1">
-            <a:schemeClr val="accent1"/>
-          </a:lnRef>
-          <a:fillRef idx="0">
-            <a:schemeClr val="accent1"/>
-          </a:fillRef>
-          <a:effectRef idx="0">
-            <a:schemeClr val="accent1"/>
-          </a:effectRef>
-          <a:fontRef idx="minor">
-            <a:schemeClr val="tx1"/>
-          </a:fontRef>
-        </p:style>
-      </p:cxnSp>
-      <p:sp>
-        <p:nvSpPr>
-          <p:cNvPr id="11" name="Rectangle 10">
-            <a:extLst>
-              <a:ext uri="{FF2B5EF4-FFF2-40B4-BE49-F238E27FC236}">
-                <a16:creationId xmlns:a16="http://schemas.microsoft.com/office/drawing/2014/main" id="{1E11096E-10A3-B133-DFBF-52D929FB3E53}"/>
-              </a:ext>
-            </a:extLst>
-          </p:cNvPr>
-          <p:cNvSpPr/>
-          <p:nvPr/>
-        </p:nvSpPr>
-        <p:spPr>
-          <a:xfrm>
-            <a:off x="8583084" y="5117266"/>
-            <a:ext cx="2033981" cy="1387049"/>
-          </a:xfrm>
-          <a:prstGeom prst="rect">
-            <a:avLst/>
-          </a:prstGeom>
-          <a:solidFill>
-            <a:schemeClr val="accent2"/>
-          </a:solidFill>
-        </p:spPr>
-        <p:style>
-          <a:lnRef idx="2">
-            <a:schemeClr val="accent1">
-              <a:shade val="50000"/>
-            </a:schemeClr>
-          </a:lnRef>
-          <a:fillRef idx="1">
-            <a:schemeClr val="accent1"/>
-          </a:fillRef>
-          <a:effectRef idx="0">
-            <a:schemeClr val="accent1"/>
-          </a:effectRef>
-          <a:fontRef idx="minor">
-            <a:schemeClr val="lt1"/>
-          </a:fontRef>
-        </p:style>
-        <p:txBody>
-          <a:bodyPr rtlCol="0" anchor="ctr"/>
-          <a:lstStyle/>
-          <a:p>
-            <a:pPr algn="ctr"/>
-            <a:r>
-              <a:rPr lang="de-AT" dirty="0"/>
-              <a:t>Double</a:t>
-            </a:r>
-          </a:p>
-          <a:p>
-            <a:pPr algn="ctr"/>
-            <a:r>
-              <a:rPr lang="de-AT" dirty="0"/>
-              <a:t>(Joey </a:t>
-            </a:r>
-            <a:r>
-              <a:rPr lang="de-AT" dirty="0" err="1"/>
-              <a:t>Tribbiani</a:t>
-            </a:r>
-            <a:r>
-              <a:rPr lang="de-AT" dirty="0"/>
-              <a:t>)</a:t>
-            </a:r>
-          </a:p>
-        </p:txBody>
-      </p:sp>
-      <p:sp>
-        <p:nvSpPr>
-          <p:cNvPr id="12" name="Rectangle 11">
-            <a:extLst>
-              <a:ext uri="{FF2B5EF4-FFF2-40B4-BE49-F238E27FC236}">
-                <a16:creationId xmlns:a16="http://schemas.microsoft.com/office/drawing/2014/main" id="{028CEF3F-5421-DEAE-4FEC-F7FAB25E8E6F}"/>
-              </a:ext>
-            </a:extLst>
-          </p:cNvPr>
-          <p:cNvSpPr/>
-          <p:nvPr/>
-        </p:nvSpPr>
-        <p:spPr>
-          <a:xfrm>
-            <a:off x="6285933" y="5117266"/>
-            <a:ext cx="1984917" cy="1387049"/>
-          </a:xfrm>
-          <a:prstGeom prst="rect">
-            <a:avLst/>
-          </a:prstGeom>
-        </p:spPr>
-        <p:style>
-          <a:lnRef idx="2">
-            <a:schemeClr val="accent1">
-              <a:shade val="50000"/>
-            </a:schemeClr>
-          </a:lnRef>
-          <a:fillRef idx="1">
-            <a:schemeClr val="accent1"/>
-          </a:fillRef>
-          <a:effectRef idx="0">
-            <a:schemeClr val="accent1"/>
-          </a:effectRef>
-          <a:fontRef idx="minor">
-            <a:schemeClr val="lt1"/>
-          </a:fontRef>
-        </p:style>
-        <p:txBody>
-          <a:bodyPr rtlCol="0" anchor="ctr"/>
-          <a:lstStyle/>
-          <a:p>
-            <a:pPr algn="ctr"/>
-            <a:r>
-              <a:rPr lang="de-AT" dirty="0" err="1"/>
-              <a:t>Dependency</a:t>
-            </a:r>
-            <a:endParaRPr lang="de-AT" dirty="0"/>
-          </a:p>
-          <a:p>
-            <a:pPr algn="ctr"/>
-            <a:r>
-              <a:rPr lang="de-AT" dirty="0"/>
-              <a:t>(Al Pacino)</a:t>
-            </a:r>
-          </a:p>
-        </p:txBody>
-      </p:sp>
-      <p:sp>
-        <p:nvSpPr>
-          <p:cNvPr id="13" name="Rectangle 12">
-            <a:extLst>
-              <a:ext uri="{FF2B5EF4-FFF2-40B4-BE49-F238E27FC236}">
-                <a16:creationId xmlns:a16="http://schemas.microsoft.com/office/drawing/2014/main" id="{95AC03C1-CB2F-50CD-4046-CDBDFDA3E95D}"/>
-              </a:ext>
-            </a:extLst>
-          </p:cNvPr>
-          <p:cNvSpPr/>
-          <p:nvPr/>
-        </p:nvSpPr>
-        <p:spPr>
-          <a:xfrm>
-            <a:off x="6290392" y="4485229"/>
-            <a:ext cx="4326673" cy="428369"/>
-          </a:xfrm>
-          <a:prstGeom prst="rect">
-            <a:avLst/>
-          </a:prstGeom>
-        </p:spPr>
-        <p:style>
-          <a:lnRef idx="2">
-            <a:schemeClr val="accent1">
-              <a:shade val="50000"/>
-            </a:schemeClr>
-          </a:lnRef>
-          <a:fillRef idx="1">
-            <a:schemeClr val="accent1"/>
-          </a:fillRef>
-          <a:effectRef idx="0">
-            <a:schemeClr val="accent1"/>
-          </a:effectRef>
-          <a:fontRef idx="minor">
-            <a:schemeClr val="lt1"/>
-          </a:fontRef>
-        </p:style>
-        <p:txBody>
-          <a:bodyPr rtlCol="0" anchor="ctr"/>
-          <a:lstStyle/>
-          <a:p>
-            <a:pPr algn="ctr"/>
-            <a:r>
-              <a:rPr lang="de-AT" dirty="0"/>
-              <a:t>Abstraktion/Interface</a:t>
-            </a:r>
-          </a:p>
-        </p:txBody>
-      </p:sp>
-      <p:cxnSp>
-        <p:nvCxnSpPr>
-          <p:cNvPr id="14" name="Straight Arrow Connector 13">
-            <a:extLst>
-              <a:ext uri="{FF2B5EF4-FFF2-40B4-BE49-F238E27FC236}">
-                <a16:creationId xmlns:a16="http://schemas.microsoft.com/office/drawing/2014/main" id="{52C6F0D6-0B20-2CD0-8446-3A1E6640FFB9}"/>
-              </a:ext>
-            </a:extLst>
-          </p:cNvPr>
-          <p:cNvCxnSpPr>
-            <a:cxnSpLocks/>
-            <a:stCxn id="12" idx="0"/>
-          </p:cNvCxnSpPr>
-          <p:nvPr/>
-        </p:nvCxnSpPr>
-        <p:spPr>
-          <a:xfrm flipV="1">
-            <a:off x="7278392" y="4913598"/>
-            <a:ext cx="0" cy="203668"/>
-          </a:xfrm>
-          <a:prstGeom prst="straightConnector1">
-            <a:avLst/>
-          </a:prstGeom>
-          <a:ln>
-            <a:tailEnd type="triangle"/>
-          </a:ln>
-        </p:spPr>
-        <p:style>
-          <a:lnRef idx="1">
-            <a:schemeClr val="accent1"/>
-          </a:lnRef>
-          <a:fillRef idx="0">
-            <a:schemeClr val="accent1"/>
-          </a:fillRef>
-          <a:effectRef idx="0">
-            <a:schemeClr val="accent1"/>
-          </a:effectRef>
-          <a:fontRef idx="minor">
-            <a:schemeClr val="tx1"/>
-          </a:fontRef>
-        </p:style>
-      </p:cxnSp>
-      <p:cxnSp>
-        <p:nvCxnSpPr>
-          <p:cNvPr id="15" name="Straight Arrow Connector 14">
-            <a:extLst>
-              <a:ext uri="{FF2B5EF4-FFF2-40B4-BE49-F238E27FC236}">
-                <a16:creationId xmlns:a16="http://schemas.microsoft.com/office/drawing/2014/main" id="{41346778-7E74-F379-A3C6-49FCC49F4A7F}"/>
-              </a:ext>
-            </a:extLst>
-          </p:cNvPr>
-          <p:cNvCxnSpPr>
-            <a:cxnSpLocks/>
-            <a:stCxn id="11" idx="0"/>
-          </p:cNvCxnSpPr>
-          <p:nvPr/>
-        </p:nvCxnSpPr>
-        <p:spPr>
-          <a:xfrm flipV="1">
-            <a:off x="9600075" y="4913598"/>
-            <a:ext cx="0" cy="203668"/>
-          </a:xfrm>
-          <a:prstGeom prst="straightConnector1">
-            <a:avLst/>
-          </a:prstGeom>
-          <a:ln>
-            <a:tailEnd type="triangle"/>
-          </a:ln>
-        </p:spPr>
-        <p:style>
-          <a:lnRef idx="1">
-            <a:schemeClr val="accent1"/>
-          </a:lnRef>
-          <a:fillRef idx="0">
-            <a:schemeClr val="accent1"/>
-          </a:fillRef>
-          <a:effectRef idx="0">
-            <a:schemeClr val="accent1"/>
-          </a:effectRef>
-          <a:fontRef idx="minor">
-            <a:schemeClr val="tx1"/>
-          </a:fontRef>
-        </p:style>
-      </p:cxnSp>
-      <p:cxnSp>
-        <p:nvCxnSpPr>
-          <p:cNvPr id="16" name="Straight Arrow Connector 15">
-            <a:extLst>
-              <a:ext uri="{FF2B5EF4-FFF2-40B4-BE49-F238E27FC236}">
-                <a16:creationId xmlns:a16="http://schemas.microsoft.com/office/drawing/2014/main" id="{B8A18D68-07D1-D51E-621E-4AA3C2DB661B}"/>
-              </a:ext>
-            </a:extLst>
-          </p:cNvPr>
-          <p:cNvCxnSpPr>
-            <a:cxnSpLocks/>
-            <a:endCxn id="13" idx="1"/>
-          </p:cNvCxnSpPr>
-          <p:nvPr/>
-        </p:nvCxnSpPr>
-        <p:spPr>
-          <a:xfrm>
-            <a:off x="5043688" y="4699414"/>
+            <a:off x="4962665" y="3214816"/>
             <a:ext cx="1246704" cy="0"/>
           </a:xfrm>
           <a:prstGeom prst="straightConnector1">
@@ -12076,234 +9580,6 @@
                       </p:childTnLst>
                     </p:cTn>
                   </p:par>
-                  <p:par>
-                    <p:cTn id="32" fill="hold">
-                      <p:stCondLst>
-                        <p:cond delay="indefinite"/>
-                      </p:stCondLst>
-                      <p:childTnLst>
-                        <p:par>
-                          <p:cTn id="33" fill="hold">
-                            <p:stCondLst>
-                              <p:cond delay="0"/>
-                            </p:stCondLst>
-                            <p:childTnLst>
-                              <p:par>
-                                <p:cTn id="34" presetID="10" presetClass="entr" presetSubtype="0" fill="hold" grpId="0" nodeType="clickEffect">
-                                  <p:stCondLst>
-                                    <p:cond delay="0"/>
-                                  </p:stCondLst>
-                                  <p:childTnLst>
-                                    <p:set>
-                                      <p:cBhvr>
-                                        <p:cTn id="35" dur="1" fill="hold">
-                                          <p:stCondLst>
-                                            <p:cond delay="0"/>
-                                          </p:stCondLst>
-                                        </p:cTn>
-                                        <p:tgtEl>
-                                          <p:spTgt spid="11"/>
-                                        </p:tgtEl>
-                                        <p:attrNameLst>
-                                          <p:attrName>style.visibility</p:attrName>
-                                        </p:attrNameLst>
-                                      </p:cBhvr>
-                                      <p:to>
-                                        <p:strVal val="visible"/>
-                                      </p:to>
-                                    </p:set>
-                                    <p:animEffect transition="in" filter="fade">
-                                      <p:cBhvr>
-                                        <p:cTn id="36" dur="500"/>
-                                        <p:tgtEl>
-                                          <p:spTgt spid="11"/>
-                                        </p:tgtEl>
-                                      </p:cBhvr>
-                                    </p:animEffect>
-                                  </p:childTnLst>
-                                </p:cTn>
-                              </p:par>
-                              <p:par>
-                                <p:cTn id="37" presetID="10" presetClass="entr" presetSubtype="0" fill="hold" grpId="0" nodeType="withEffect">
-                                  <p:stCondLst>
-                                    <p:cond delay="0"/>
-                                  </p:stCondLst>
-                                  <p:childTnLst>
-                                    <p:set>
-                                      <p:cBhvr>
-                                        <p:cTn id="38" dur="1" fill="hold">
-                                          <p:stCondLst>
-                                            <p:cond delay="0"/>
-                                          </p:stCondLst>
-                                        </p:cTn>
-                                        <p:tgtEl>
-                                          <p:spTgt spid="12"/>
-                                        </p:tgtEl>
-                                        <p:attrNameLst>
-                                          <p:attrName>style.visibility</p:attrName>
-                                        </p:attrNameLst>
-                                      </p:cBhvr>
-                                      <p:to>
-                                        <p:strVal val="visible"/>
-                                      </p:to>
-                                    </p:set>
-                                    <p:animEffect transition="in" filter="fade">
-                                      <p:cBhvr>
-                                        <p:cTn id="39" dur="500"/>
-                                        <p:tgtEl>
-                                          <p:spTgt spid="12"/>
-                                        </p:tgtEl>
-                                      </p:cBhvr>
-                                    </p:animEffect>
-                                  </p:childTnLst>
-                                </p:cTn>
-                              </p:par>
-                              <p:par>
-                                <p:cTn id="40" presetID="10" presetClass="entr" presetSubtype="0" fill="hold" grpId="0" nodeType="withEffect">
-                                  <p:stCondLst>
-                                    <p:cond delay="0"/>
-                                  </p:stCondLst>
-                                  <p:childTnLst>
-                                    <p:set>
-                                      <p:cBhvr>
-                                        <p:cTn id="41" dur="1" fill="hold">
-                                          <p:stCondLst>
-                                            <p:cond delay="0"/>
-                                          </p:stCondLst>
-                                        </p:cTn>
-                                        <p:tgtEl>
-                                          <p:spTgt spid="13"/>
-                                        </p:tgtEl>
-                                        <p:attrNameLst>
-                                          <p:attrName>style.visibility</p:attrName>
-                                        </p:attrNameLst>
-                                      </p:cBhvr>
-                                      <p:to>
-                                        <p:strVal val="visible"/>
-                                      </p:to>
-                                    </p:set>
-                                    <p:animEffect transition="in" filter="fade">
-                                      <p:cBhvr>
-                                        <p:cTn id="42" dur="500"/>
-                                        <p:tgtEl>
-                                          <p:spTgt spid="13"/>
-                                        </p:tgtEl>
-                                      </p:cBhvr>
-                                    </p:animEffect>
-                                  </p:childTnLst>
-                                </p:cTn>
-                              </p:par>
-                              <p:par>
-                                <p:cTn id="43" presetID="10" presetClass="entr" presetSubtype="0" fill="hold" nodeType="withEffect">
-                                  <p:stCondLst>
-                                    <p:cond delay="0"/>
-                                  </p:stCondLst>
-                                  <p:childTnLst>
-                                    <p:set>
-                                      <p:cBhvr>
-                                        <p:cTn id="44" dur="1" fill="hold">
-                                          <p:stCondLst>
-                                            <p:cond delay="0"/>
-                                          </p:stCondLst>
-                                        </p:cTn>
-                                        <p:tgtEl>
-                                          <p:spTgt spid="14"/>
-                                        </p:tgtEl>
-                                        <p:attrNameLst>
-                                          <p:attrName>style.visibility</p:attrName>
-                                        </p:attrNameLst>
-                                      </p:cBhvr>
-                                      <p:to>
-                                        <p:strVal val="visible"/>
-                                      </p:to>
-                                    </p:set>
-                                    <p:animEffect transition="in" filter="fade">
-                                      <p:cBhvr>
-                                        <p:cTn id="45" dur="500"/>
-                                        <p:tgtEl>
-                                          <p:spTgt spid="14"/>
-                                        </p:tgtEl>
-                                      </p:cBhvr>
-                                    </p:animEffect>
-                                  </p:childTnLst>
-                                </p:cTn>
-                              </p:par>
-                              <p:par>
-                                <p:cTn id="46" presetID="10" presetClass="entr" presetSubtype="0" fill="hold" nodeType="withEffect">
-                                  <p:stCondLst>
-                                    <p:cond delay="0"/>
-                                  </p:stCondLst>
-                                  <p:childTnLst>
-                                    <p:set>
-                                      <p:cBhvr>
-                                        <p:cTn id="47" dur="1" fill="hold">
-                                          <p:stCondLst>
-                                            <p:cond delay="0"/>
-                                          </p:stCondLst>
-                                        </p:cTn>
-                                        <p:tgtEl>
-                                          <p:spTgt spid="15"/>
-                                        </p:tgtEl>
-                                        <p:attrNameLst>
-                                          <p:attrName>style.visibility</p:attrName>
-                                        </p:attrNameLst>
-                                      </p:cBhvr>
-                                      <p:to>
-                                        <p:strVal val="visible"/>
-                                      </p:to>
-                                    </p:set>
-                                    <p:animEffect transition="in" filter="fade">
-                                      <p:cBhvr>
-                                        <p:cTn id="48" dur="500"/>
-                                        <p:tgtEl>
-                                          <p:spTgt spid="15"/>
-                                        </p:tgtEl>
-                                      </p:cBhvr>
-                                    </p:animEffect>
-                                  </p:childTnLst>
-                                </p:cTn>
-                              </p:par>
-                              <p:par>
-                                <p:cTn id="49" presetID="10" presetClass="entr" presetSubtype="0" fill="hold" nodeType="withEffect">
-                                  <p:stCondLst>
-                                    <p:cond delay="0"/>
-                                  </p:stCondLst>
-                                  <p:childTnLst>
-                                    <p:set>
-                                      <p:cBhvr>
-                                        <p:cTn id="50" dur="1" fill="hold">
-                                          <p:stCondLst>
-                                            <p:cond delay="0"/>
-                                          </p:stCondLst>
-                                        </p:cTn>
-                                        <p:tgtEl>
-                                          <p:spTgt spid="16"/>
-                                        </p:tgtEl>
-                                        <p:attrNameLst>
-                                          <p:attrName>style.visibility</p:attrName>
-                                        </p:attrNameLst>
-                                      </p:cBhvr>
-                                      <p:to>
-                                        <p:strVal val="visible"/>
-                                      </p:to>
-                                    </p:set>
-                                    <p:animEffect transition="in" filter="fade">
-                                      <p:cBhvr>
-                                        <p:cTn id="51" dur="500"/>
-                                        <p:tgtEl>
-                                          <p:spTgt spid="16"/>
-                                        </p:tgtEl>
-                                      </p:cBhvr>
-                                    </p:animEffect>
-                                  </p:childTnLst>
-                                </p:cTn>
-                              </p:par>
-                            </p:childTnLst>
-                          </p:cTn>
-                        </p:par>
-                      </p:childTnLst>
-                    </p:cTn>
-                  </p:par>
                 </p:childTnLst>
               </p:cTn>
               <p:prevCondLst>
@@ -12330,11 +9606,165 @@
       <p:bldP spid="5" grpId="0" animBg="1"/>
       <p:bldP spid="6" grpId="0" animBg="1"/>
       <p:bldP spid="7" grpId="0" animBg="1"/>
-      <p:bldP spid="11" grpId="0" animBg="1"/>
-      <p:bldP spid="12" grpId="0" animBg="1"/>
-      <p:bldP spid="13" grpId="0" animBg="1"/>
     </p:bldLst>
   </p:timing>
+</p:sld>
+</file>
+
+<file path=ppt/slides/slide7.xml><?xml version="1.0" encoding="utf-8"?>
+<p:sld xmlns:a="http://schemas.openxmlformats.org/drawingml/2006/main" xmlns:r="http://schemas.openxmlformats.org/officeDocument/2006/relationships" xmlns:p="http://schemas.openxmlformats.org/presentationml/2006/main">
+  <p:cSld>
+    <p:spTree>
+      <p:nvGrpSpPr>
+        <p:cNvPr id="1" name=""/>
+        <p:cNvGrpSpPr/>
+        <p:nvPr/>
+      </p:nvGrpSpPr>
+      <p:grpSpPr>
+        <a:xfrm>
+          <a:off x="0" y="0"/>
+          <a:ext cx="0" cy="0"/>
+          <a:chOff x="0" y="0"/>
+          <a:chExt cx="0" cy="0"/>
+        </a:xfrm>
+      </p:grpSpPr>
+      <p:sp>
+        <p:nvSpPr>
+          <p:cNvPr id="3" name="Title 2">
+            <a:extLst>
+              <a:ext uri="{FF2B5EF4-FFF2-40B4-BE49-F238E27FC236}">
+                <a16:creationId xmlns:a16="http://schemas.microsoft.com/office/drawing/2014/main" id="{228C96B3-ED36-32E6-DD5A-F380A53C722F}"/>
+              </a:ext>
+            </a:extLst>
+          </p:cNvPr>
+          <p:cNvSpPr>
+            <a:spLocks noGrp="1"/>
+          </p:cNvSpPr>
+          <p:nvPr>
+            <p:ph type="title"/>
+          </p:nvPr>
+        </p:nvSpPr>
+        <p:spPr>
+          <a:xfrm>
+            <a:off x="837565" y="740701"/>
+            <a:ext cx="10346647" cy="594715"/>
+          </a:xfrm>
+        </p:spPr>
+        <p:txBody>
+          <a:bodyPr/>
+          <a:lstStyle/>
+          <a:p>
+            <a:r>
+              <a:rPr lang="en-GB" dirty="0" err="1"/>
+              <a:t>Begriffe</a:t>
+            </a:r>
+            <a:endParaRPr lang="en-AT" dirty="0"/>
+          </a:p>
+        </p:txBody>
+      </p:sp>
+      <p:sp>
+        <p:nvSpPr>
+          <p:cNvPr id="4" name="Content Placeholder 2">
+            <a:extLst>
+              <a:ext uri="{FF2B5EF4-FFF2-40B4-BE49-F238E27FC236}">
+                <a16:creationId xmlns:a16="http://schemas.microsoft.com/office/drawing/2014/main" id="{BF36FE3D-FEFF-C7E3-23B3-1238319F92A4}"/>
+              </a:ext>
+            </a:extLst>
+          </p:cNvPr>
+          <p:cNvSpPr>
+            <a:spLocks noGrp="1"/>
+          </p:cNvSpPr>
+          <p:nvPr>
+            <p:ph type="body" sz="quarter" idx="13"/>
+          </p:nvPr>
+        </p:nvSpPr>
+        <p:spPr>
+          <a:xfrm>
+            <a:off x="837565" y="1679536"/>
+            <a:ext cx="10345738" cy="4159250"/>
+          </a:xfrm>
+        </p:spPr>
+        <p:txBody>
+          <a:bodyPr>
+            <a:normAutofit lnSpcReduction="10000"/>
+          </a:bodyPr>
+          <a:lstStyle/>
+          <a:p>
+            <a:r>
+              <a:rPr lang="de-AT" dirty="0"/>
+              <a:t>Überbegriff „test-doubles“</a:t>
+            </a:r>
+          </a:p>
+          <a:p>
+            <a:pPr lvl="1"/>
+            <a:r>
+              <a:rPr lang="de-AT" dirty="0" err="1"/>
+              <a:t>dummy</a:t>
+            </a:r>
+            <a:endParaRPr lang="de-AT" dirty="0"/>
+          </a:p>
+          <a:p>
+            <a:pPr lvl="1"/>
+            <a:r>
+              <a:rPr lang="de-AT" dirty="0"/>
+              <a:t>fake</a:t>
+            </a:r>
+          </a:p>
+          <a:p>
+            <a:pPr lvl="1"/>
+            <a:r>
+              <a:rPr lang="de-AT" dirty="0" err="1"/>
+              <a:t>stub</a:t>
+            </a:r>
+            <a:endParaRPr lang="de-AT" dirty="0"/>
+          </a:p>
+          <a:p>
+            <a:pPr lvl="1"/>
+            <a:r>
+              <a:rPr lang="de-AT" dirty="0" err="1"/>
+              <a:t>spy</a:t>
+            </a:r>
+            <a:endParaRPr lang="de-AT" dirty="0"/>
+          </a:p>
+          <a:p>
+            <a:pPr lvl="1"/>
+            <a:r>
+              <a:rPr lang="de-AT" dirty="0" err="1"/>
+              <a:t>mock</a:t>
+            </a:r>
+            <a:endParaRPr lang="de-AT" dirty="0"/>
+          </a:p>
+          <a:p>
+            <a:endParaRPr lang="de-AT" dirty="0"/>
+          </a:p>
+          <a:p>
+            <a:r>
+              <a:rPr lang="de-AT" dirty="0">
+                <a:hlinkClick r:id="rId2"/>
+              </a:rPr>
+              <a:t>https://martinfowler.com/bliki/TestDouble.html</a:t>
+            </a:r>
+            <a:endParaRPr lang="de-AT" dirty="0"/>
+          </a:p>
+          <a:p>
+            <a:endParaRPr lang="de-AT" dirty="0"/>
+          </a:p>
+          <a:p>
+            <a:pPr lvl="1"/>
+            <a:endParaRPr lang="de-AT" dirty="0"/>
+          </a:p>
+        </p:txBody>
+      </p:sp>
+    </p:spTree>
+    <p:extLst>
+      <p:ext uri="{BB962C8B-B14F-4D97-AF65-F5344CB8AC3E}">
+        <p14:creationId xmlns:p14="http://schemas.microsoft.com/office/powerpoint/2010/main" val="3431547616"/>
+      </p:ext>
+    </p:extLst>
+  </p:cSld>
+  <p:clrMapOvr>
+    <a:masterClrMapping/>
+  </p:clrMapOvr>
 </p:sld>
 </file>
 
@@ -12383,163 +9813,6 @@
           <a:p>
             <a:r>
               <a:rPr lang="en-GB" dirty="0" err="1"/>
-              <a:t>Begriffe</a:t>
-            </a:r>
-            <a:endParaRPr lang="en-AT" dirty="0"/>
-          </a:p>
-        </p:txBody>
-      </p:sp>
-      <p:sp>
-        <p:nvSpPr>
-          <p:cNvPr id="4" name="Content Placeholder 2">
-            <a:extLst>
-              <a:ext uri="{FF2B5EF4-FFF2-40B4-BE49-F238E27FC236}">
-                <a16:creationId xmlns:a16="http://schemas.microsoft.com/office/drawing/2014/main" id="{BF36FE3D-FEFF-C7E3-23B3-1238319F92A4}"/>
-              </a:ext>
-            </a:extLst>
-          </p:cNvPr>
-          <p:cNvSpPr>
-            <a:spLocks noGrp="1"/>
-          </p:cNvSpPr>
-          <p:nvPr>
-            <p:ph type="body" sz="quarter" idx="13"/>
-          </p:nvPr>
-        </p:nvSpPr>
-        <p:spPr>
-          <a:xfrm>
-            <a:off x="837565" y="1679536"/>
-            <a:ext cx="10345738" cy="4159250"/>
-          </a:xfrm>
-        </p:spPr>
-        <p:txBody>
-          <a:bodyPr>
-            <a:normAutofit lnSpcReduction="10000"/>
-          </a:bodyPr>
-          <a:lstStyle/>
-          <a:p>
-            <a:r>
-              <a:rPr lang="de-AT" dirty="0"/>
-              <a:t>Überbegriff „test-doubles“</a:t>
-            </a:r>
-          </a:p>
-          <a:p>
-            <a:pPr lvl="1"/>
-            <a:r>
-              <a:rPr lang="de-AT" dirty="0" err="1"/>
-              <a:t>dummy</a:t>
-            </a:r>
-            <a:endParaRPr lang="de-AT" dirty="0"/>
-          </a:p>
-          <a:p>
-            <a:pPr lvl="1"/>
-            <a:r>
-              <a:rPr lang="de-AT" dirty="0"/>
-              <a:t>fake</a:t>
-            </a:r>
-          </a:p>
-          <a:p>
-            <a:pPr lvl="1"/>
-            <a:r>
-              <a:rPr lang="de-AT" dirty="0" err="1"/>
-              <a:t>stub</a:t>
-            </a:r>
-            <a:endParaRPr lang="de-AT" dirty="0"/>
-          </a:p>
-          <a:p>
-            <a:pPr lvl="1"/>
-            <a:r>
-              <a:rPr lang="de-AT" dirty="0" err="1"/>
-              <a:t>spy</a:t>
-            </a:r>
-            <a:endParaRPr lang="de-AT" dirty="0"/>
-          </a:p>
-          <a:p>
-            <a:pPr lvl="1"/>
-            <a:r>
-              <a:rPr lang="de-AT" dirty="0" err="1"/>
-              <a:t>mock</a:t>
-            </a:r>
-            <a:endParaRPr lang="de-AT" dirty="0"/>
-          </a:p>
-          <a:p>
-            <a:endParaRPr lang="de-AT" dirty="0"/>
-          </a:p>
-          <a:p>
-            <a:r>
-              <a:rPr lang="de-AT" dirty="0">
-                <a:hlinkClick r:id="rId2"/>
-              </a:rPr>
-              <a:t>https://martinfowler.com/bliki/TestDouble.html</a:t>
-            </a:r>
-            <a:endParaRPr lang="de-AT" dirty="0"/>
-          </a:p>
-          <a:p>
-            <a:endParaRPr lang="de-AT" dirty="0"/>
-          </a:p>
-          <a:p>
-            <a:pPr lvl="1"/>
-            <a:endParaRPr lang="de-AT" dirty="0"/>
-          </a:p>
-        </p:txBody>
-      </p:sp>
-    </p:spTree>
-    <p:extLst>
-      <p:ext uri="{BB962C8B-B14F-4D97-AF65-F5344CB8AC3E}">
-        <p14:creationId xmlns:p14="http://schemas.microsoft.com/office/powerpoint/2010/main" val="3431547616"/>
-      </p:ext>
-    </p:extLst>
-  </p:cSld>
-  <p:clrMapOvr>
-    <a:masterClrMapping/>
-  </p:clrMapOvr>
-</p:sld>
-</file>
-
-<file path=ppt/slides/slide9.xml><?xml version="1.0" encoding="utf-8"?>
-<p:sld xmlns:a="http://schemas.openxmlformats.org/drawingml/2006/main" xmlns:r="http://schemas.openxmlformats.org/officeDocument/2006/relationships" xmlns:p="http://schemas.openxmlformats.org/presentationml/2006/main">
-  <p:cSld>
-    <p:spTree>
-      <p:nvGrpSpPr>
-        <p:cNvPr id="1" name=""/>
-        <p:cNvGrpSpPr/>
-        <p:nvPr/>
-      </p:nvGrpSpPr>
-      <p:grpSpPr>
-        <a:xfrm>
-          <a:off x="0" y="0"/>
-          <a:ext cx="0" cy="0"/>
-          <a:chOff x="0" y="0"/>
-          <a:chExt cx="0" cy="0"/>
-        </a:xfrm>
-      </p:grpSpPr>
-      <p:sp>
-        <p:nvSpPr>
-          <p:cNvPr id="3" name="Title 2">
-            <a:extLst>
-              <a:ext uri="{FF2B5EF4-FFF2-40B4-BE49-F238E27FC236}">
-                <a16:creationId xmlns:a16="http://schemas.microsoft.com/office/drawing/2014/main" id="{228C96B3-ED36-32E6-DD5A-F380A53C722F}"/>
-              </a:ext>
-            </a:extLst>
-          </p:cNvPr>
-          <p:cNvSpPr>
-            <a:spLocks noGrp="1"/>
-          </p:cNvSpPr>
-          <p:nvPr>
-            <p:ph type="title"/>
-          </p:nvPr>
-        </p:nvSpPr>
-        <p:spPr>
-          <a:xfrm>
-            <a:off x="837565" y="740701"/>
-            <a:ext cx="10346647" cy="594715"/>
-          </a:xfrm>
-        </p:spPr>
-        <p:txBody>
-          <a:bodyPr/>
-          <a:lstStyle/>
-          <a:p>
-            <a:r>
-              <a:rPr lang="en-GB" dirty="0" err="1"/>
               <a:t>Implementierung</a:t>
             </a:r>
             <a:endParaRPr lang="en-AT" dirty="0"/>
@@ -12654,6 +9927,373 @@
     <p:extLst>
       <p:ext uri="{BB962C8B-B14F-4D97-AF65-F5344CB8AC3E}">
         <p14:creationId xmlns:p14="http://schemas.microsoft.com/office/powerpoint/2010/main" val="499184475"/>
+      </p:ext>
+    </p:extLst>
+  </p:cSld>
+  <p:clrMapOvr>
+    <a:masterClrMapping/>
+  </p:clrMapOvr>
+</p:sld>
+</file>
+
+<file path=ppt/slides/slide9.xml><?xml version="1.0" encoding="utf-8"?>
+<p:sld xmlns:a="http://schemas.openxmlformats.org/drawingml/2006/main" xmlns:r="http://schemas.openxmlformats.org/officeDocument/2006/relationships" xmlns:p="http://schemas.openxmlformats.org/presentationml/2006/main">
+  <p:cSld>
+    <p:spTree>
+      <p:nvGrpSpPr>
+        <p:cNvPr id="1" name=""/>
+        <p:cNvGrpSpPr/>
+        <p:nvPr/>
+      </p:nvGrpSpPr>
+      <p:grpSpPr>
+        <a:xfrm>
+          <a:off x="0" y="0"/>
+          <a:ext cx="0" cy="0"/>
+          <a:chOff x="0" y="0"/>
+          <a:chExt cx="0" cy="0"/>
+        </a:xfrm>
+      </p:grpSpPr>
+      <p:sp>
+        <p:nvSpPr>
+          <p:cNvPr id="2" name="Title 1">
+            <a:extLst>
+              <a:ext uri="{FF2B5EF4-FFF2-40B4-BE49-F238E27FC236}">
+                <a16:creationId xmlns:a16="http://schemas.microsoft.com/office/drawing/2014/main" id="{9E36F4ED-769D-49BA-8930-4C7CE2636CA3}"/>
+              </a:ext>
+            </a:extLst>
+          </p:cNvPr>
+          <p:cNvSpPr>
+            <a:spLocks noGrp="1"/>
+          </p:cNvSpPr>
+          <p:nvPr>
+            <p:ph type="title"/>
+          </p:nvPr>
+        </p:nvSpPr>
+        <p:spPr/>
+        <p:txBody>
+          <a:bodyPr/>
+          <a:lstStyle/>
+          <a:p>
+            <a:r>
+              <a:rPr lang="en-US" dirty="0"/>
+              <a:t>Setup</a:t>
+            </a:r>
+            <a:endParaRPr lang="de-AT" dirty="0"/>
+          </a:p>
+        </p:txBody>
+      </p:sp>
+      <p:sp>
+        <p:nvSpPr>
+          <p:cNvPr id="3" name="Content Placeholder 2">
+            <a:extLst>
+              <a:ext uri="{FF2B5EF4-FFF2-40B4-BE49-F238E27FC236}">
+                <a16:creationId xmlns:a16="http://schemas.microsoft.com/office/drawing/2014/main" id="{0AFE0005-C90E-4ED3-9B5C-6119CEAE399E}"/>
+              </a:ext>
+            </a:extLst>
+          </p:cNvPr>
+          <p:cNvSpPr>
+            <a:spLocks noGrp="1"/>
+          </p:cNvSpPr>
+          <p:nvPr>
+            <p:ph type="body" sz="quarter" idx="13"/>
+          </p:nvPr>
+        </p:nvSpPr>
+        <p:spPr/>
+        <p:txBody>
+          <a:bodyPr/>
+          <a:lstStyle/>
+          <a:p>
+            <a:pPr marL="457200" lvl="1" indent="0">
+              <a:buNone/>
+            </a:pPr>
+            <a:endParaRPr lang="de-AT" dirty="0"/>
+          </a:p>
+          <a:p>
+            <a:endParaRPr lang="de-AT" dirty="0"/>
+          </a:p>
+        </p:txBody>
+      </p:sp>
+      <p:sp>
+        <p:nvSpPr>
+          <p:cNvPr id="5" name="Content Placeholder 2"/>
+          <p:cNvSpPr txBox="1">
+            <a:spLocks/>
+          </p:cNvSpPr>
+          <p:nvPr/>
+        </p:nvSpPr>
+        <p:spPr>
+          <a:xfrm>
+            <a:off x="838200" y="1825625"/>
+            <a:ext cx="10515600" cy="4351338"/>
+          </a:xfrm>
+          <a:prstGeom prst="rect">
+            <a:avLst/>
+          </a:prstGeom>
+        </p:spPr>
+        <p:txBody>
+          <a:bodyPr vert="horz" lIns="91440" tIns="45720" rIns="91440" bIns="45720" rtlCol="0">
+            <a:normAutofit/>
+          </a:bodyPr>
+          <a:lstStyle>
+            <a:lvl1pPr marL="228600" indent="-228600" algn="l" defTabSz="914400" rtl="0" eaLnBrk="1" latinLnBrk="0" hangingPunct="1">
+              <a:lnSpc>
+                <a:spcPct val="90000"/>
+              </a:lnSpc>
+              <a:spcBef>
+                <a:spcPts val="1000"/>
+              </a:spcBef>
+              <a:buFont typeface="Arial" panose="020B0604020202020204" pitchFamily="34" charset="0"/>
+              <a:buChar char="•"/>
+              <a:defRPr sz="2800" kern="1200">
+                <a:solidFill>
+                  <a:schemeClr val="tx1"/>
+                </a:solidFill>
+                <a:latin typeface="+mn-lt"/>
+                <a:ea typeface="+mn-ea"/>
+                <a:cs typeface="+mn-cs"/>
+              </a:defRPr>
+            </a:lvl1pPr>
+            <a:lvl2pPr marL="685800" indent="-228600" algn="l" defTabSz="914400" rtl="0" eaLnBrk="1" latinLnBrk="0" hangingPunct="1">
+              <a:lnSpc>
+                <a:spcPct val="90000"/>
+              </a:lnSpc>
+              <a:spcBef>
+                <a:spcPts val="500"/>
+              </a:spcBef>
+              <a:buFont typeface="Arial" panose="020B0604020202020204" pitchFamily="34" charset="0"/>
+              <a:buChar char="•"/>
+              <a:defRPr sz="2400" kern="1200">
+                <a:solidFill>
+                  <a:schemeClr val="tx1"/>
+                </a:solidFill>
+                <a:latin typeface="+mn-lt"/>
+                <a:ea typeface="+mn-ea"/>
+                <a:cs typeface="+mn-cs"/>
+              </a:defRPr>
+            </a:lvl2pPr>
+            <a:lvl3pPr marL="1143000" indent="-228600" algn="l" defTabSz="914400" rtl="0" eaLnBrk="1" latinLnBrk="0" hangingPunct="1">
+              <a:lnSpc>
+                <a:spcPct val="90000"/>
+              </a:lnSpc>
+              <a:spcBef>
+                <a:spcPts val="500"/>
+              </a:spcBef>
+              <a:buFont typeface="Arial" panose="020B0604020202020204" pitchFamily="34" charset="0"/>
+              <a:buChar char="•"/>
+              <a:defRPr sz="2000" kern="1200">
+                <a:solidFill>
+                  <a:schemeClr val="tx1"/>
+                </a:solidFill>
+                <a:latin typeface="+mn-lt"/>
+                <a:ea typeface="+mn-ea"/>
+                <a:cs typeface="+mn-cs"/>
+              </a:defRPr>
+            </a:lvl3pPr>
+            <a:lvl4pPr marL="1600200" indent="-228600" algn="l" defTabSz="914400" rtl="0" eaLnBrk="1" latinLnBrk="0" hangingPunct="1">
+              <a:lnSpc>
+                <a:spcPct val="90000"/>
+              </a:lnSpc>
+              <a:spcBef>
+                <a:spcPts val="500"/>
+              </a:spcBef>
+              <a:buFont typeface="Arial" panose="020B0604020202020204" pitchFamily="34" charset="0"/>
+              <a:buChar char="•"/>
+              <a:defRPr sz="1800" kern="1200">
+                <a:solidFill>
+                  <a:schemeClr val="tx1"/>
+                </a:solidFill>
+                <a:latin typeface="+mn-lt"/>
+                <a:ea typeface="+mn-ea"/>
+                <a:cs typeface="+mn-cs"/>
+              </a:defRPr>
+            </a:lvl4pPr>
+            <a:lvl5pPr marL="2057400" indent="-228600" algn="l" defTabSz="914400" rtl="0" eaLnBrk="1" latinLnBrk="0" hangingPunct="1">
+              <a:lnSpc>
+                <a:spcPct val="90000"/>
+              </a:lnSpc>
+              <a:spcBef>
+                <a:spcPts val="500"/>
+              </a:spcBef>
+              <a:buFont typeface="Arial" panose="020B0604020202020204" pitchFamily="34" charset="0"/>
+              <a:buChar char="•"/>
+              <a:defRPr sz="1800" kern="1200">
+                <a:solidFill>
+                  <a:schemeClr val="tx1"/>
+                </a:solidFill>
+                <a:latin typeface="+mn-lt"/>
+                <a:ea typeface="+mn-ea"/>
+                <a:cs typeface="+mn-cs"/>
+              </a:defRPr>
+            </a:lvl5pPr>
+            <a:lvl6pPr marL="2514600" indent="-228600" algn="l" defTabSz="914400" rtl="0" eaLnBrk="1" latinLnBrk="0" hangingPunct="1">
+              <a:lnSpc>
+                <a:spcPct val="90000"/>
+              </a:lnSpc>
+              <a:spcBef>
+                <a:spcPts val="500"/>
+              </a:spcBef>
+              <a:buFont typeface="Arial" panose="020B0604020202020204" pitchFamily="34" charset="0"/>
+              <a:buChar char="•"/>
+              <a:defRPr sz="1800" kern="1200">
+                <a:solidFill>
+                  <a:schemeClr val="tx1"/>
+                </a:solidFill>
+                <a:latin typeface="+mn-lt"/>
+                <a:ea typeface="+mn-ea"/>
+                <a:cs typeface="+mn-cs"/>
+              </a:defRPr>
+            </a:lvl6pPr>
+            <a:lvl7pPr marL="2971800" indent="-228600" algn="l" defTabSz="914400" rtl="0" eaLnBrk="1" latinLnBrk="0" hangingPunct="1">
+              <a:lnSpc>
+                <a:spcPct val="90000"/>
+              </a:lnSpc>
+              <a:spcBef>
+                <a:spcPts val="500"/>
+              </a:spcBef>
+              <a:buFont typeface="Arial" panose="020B0604020202020204" pitchFamily="34" charset="0"/>
+              <a:buChar char="•"/>
+              <a:defRPr sz="1800" kern="1200">
+                <a:solidFill>
+                  <a:schemeClr val="tx1"/>
+                </a:solidFill>
+                <a:latin typeface="+mn-lt"/>
+                <a:ea typeface="+mn-ea"/>
+                <a:cs typeface="+mn-cs"/>
+              </a:defRPr>
+            </a:lvl7pPr>
+            <a:lvl8pPr marL="3429000" indent="-228600" algn="l" defTabSz="914400" rtl="0" eaLnBrk="1" latinLnBrk="0" hangingPunct="1">
+              <a:lnSpc>
+                <a:spcPct val="90000"/>
+              </a:lnSpc>
+              <a:spcBef>
+                <a:spcPts val="500"/>
+              </a:spcBef>
+              <a:buFont typeface="Arial" panose="020B0604020202020204" pitchFamily="34" charset="0"/>
+              <a:buChar char="•"/>
+              <a:defRPr sz="1800" kern="1200">
+                <a:solidFill>
+                  <a:schemeClr val="tx1"/>
+                </a:solidFill>
+                <a:latin typeface="+mn-lt"/>
+                <a:ea typeface="+mn-ea"/>
+                <a:cs typeface="+mn-cs"/>
+              </a:defRPr>
+            </a:lvl8pPr>
+            <a:lvl9pPr marL="3886200" indent="-228600" algn="l" defTabSz="914400" rtl="0" eaLnBrk="1" latinLnBrk="0" hangingPunct="1">
+              <a:lnSpc>
+                <a:spcPct val="90000"/>
+              </a:lnSpc>
+              <a:spcBef>
+                <a:spcPts val="500"/>
+              </a:spcBef>
+              <a:buFont typeface="Arial" panose="020B0604020202020204" pitchFamily="34" charset="0"/>
+              <a:buChar char="•"/>
+              <a:defRPr sz="1800" kern="1200">
+                <a:solidFill>
+                  <a:schemeClr val="tx1"/>
+                </a:solidFill>
+                <a:latin typeface="+mn-lt"/>
+                <a:ea typeface="+mn-ea"/>
+                <a:cs typeface="+mn-cs"/>
+              </a:defRPr>
+            </a:lvl9pPr>
+          </a:lstStyle>
+          <a:p>
+            <a:pPr marL="285750" indent="-285750">
+              <a:buFont typeface="Arial" panose="020B0604020202020204" pitchFamily="34" charset="0"/>
+              <a:buChar char="•"/>
+            </a:pPr>
+            <a:r>
+              <a:rPr lang="de-AT" dirty="0">
+                <a:hlinkClick r:id="rId3"/>
+              </a:rPr>
+              <a:t>https://github.com/techtalk/CodingDojos.git</a:t>
+            </a:r>
+            <a:endParaRPr lang="de-AT" dirty="0"/>
+          </a:p>
+          <a:p>
+            <a:pPr lvl="1"/>
+            <a:r>
+              <a:rPr lang="en-GB" dirty="0"/>
+              <a:t>Branch “</a:t>
+            </a:r>
+            <a:r>
+              <a:rPr lang="en-GB" dirty="0" err="1"/>
+              <a:t>MockingDojo</a:t>
+            </a:r>
+            <a:r>
+              <a:rPr lang="en-GB" dirty="0"/>
+              <a:t>”</a:t>
+            </a:r>
+          </a:p>
+          <a:p>
+            <a:endParaRPr lang="en-GB" dirty="0"/>
+          </a:p>
+          <a:p>
+            <a:r>
+              <a:rPr lang="en-GB" dirty="0"/>
+              <a:t>Falls </a:t>
+            </a:r>
+            <a:r>
+              <a:rPr lang="en-GB" dirty="0" err="1"/>
+              <a:t>gewünscht</a:t>
+            </a:r>
+            <a:r>
+              <a:rPr lang="en-GB" dirty="0"/>
+              <a:t>: </a:t>
+            </a:r>
+            <a:r>
+              <a:rPr lang="en-GB" dirty="0" err="1"/>
+              <a:t>mit</a:t>
+            </a:r>
+            <a:r>
+              <a:rPr lang="en-GB" dirty="0"/>
+              <a:t> </a:t>
+            </a:r>
+            <a:r>
+              <a:rPr lang="en-GB" dirty="0" err="1"/>
+              <a:t>einem</a:t>
+            </a:r>
+            <a:r>
+              <a:rPr lang="en-GB" dirty="0"/>
+              <a:t> Pattern </a:t>
+            </a:r>
+            <a:r>
+              <a:rPr lang="en-GB" dirty="0" err="1"/>
+              <a:t>arbeiten</a:t>
+            </a:r>
+            <a:r>
+              <a:rPr lang="en-GB" dirty="0"/>
+              <a:t>?</a:t>
+            </a:r>
+          </a:p>
+          <a:p>
+            <a:pPr lvl="1"/>
+            <a:r>
+              <a:rPr lang="en-GB" dirty="0"/>
+              <a:t>https://www.tutorialspoint.com/design_pattern/strategy_pattern.htm</a:t>
+            </a:r>
+          </a:p>
+          <a:p>
+            <a:endParaRPr lang="en-GB" dirty="0"/>
+          </a:p>
+          <a:p>
+            <a:pPr lvl="2"/>
+            <a:endParaRPr lang="en-GB" dirty="0"/>
+          </a:p>
+          <a:p>
+            <a:pPr lvl="1"/>
+            <a:endParaRPr lang="en-GB" dirty="0"/>
+          </a:p>
+          <a:p>
+            <a:endParaRPr lang="en-GB" dirty="0"/>
+          </a:p>
+        </p:txBody>
+      </p:sp>
+    </p:spTree>
+    <p:extLst>
+      <p:ext uri="{BB962C8B-B14F-4D97-AF65-F5344CB8AC3E}">
+        <p14:creationId xmlns:p14="http://schemas.microsoft.com/office/powerpoint/2010/main" val="355067626"/>
       </p:ext>
     </p:extLst>
   </p:cSld>

--- a/Mocking/CodingDojo_Mocking.pptx
+++ b/Mocking/CodingDojo_Mocking.pptx
@@ -217,7 +217,7 @@
           <a:p>
             <a:fld id="{550C01F7-036F-4DDB-91D3-72DE411FB950}" type="datetimeFigureOut">
               <a:rPr lang="de-AT" smtClean="0"/>
-              <a:t>14.07.2022</a:t>
+              <a:t>18.07.2022</a:t>
             </a:fld>
             <a:endParaRPr lang="de-AT"/>
           </a:p>
@@ -1539,38 +1539,6 @@
           <a:bodyPr/>
           <a:lstStyle/>
           <a:p>
-            <a:r>
-              <a:rPr lang="de-DE" dirty="0"/>
-              <a:t>.) TaschenRechner (plus, minus, mal, divide) (Bonus: leicht erweiterbar um Operationen)</a:t>
-            </a:r>
-          </a:p>
-          <a:p>
-            <a:r>
-              <a:rPr lang="de-DE" dirty="0"/>
-              <a:t>.) Converter (F &lt;-&gt; Celsius, Feet &lt;-&gt; Meter, Alter &lt;-&gt; Wochen oder Tage) (Bonus: erweiterbar um weitere Konvertierungen)</a:t>
-            </a:r>
-          </a:p>
-          <a:p>
-            <a:r>
-              <a:rPr lang="de-DE" dirty="0"/>
-              <a:t>.) Hangman</a:t>
-            </a:r>
-          </a:p>
-          <a:p>
-            <a:r>
-              <a:rPr lang="de-DE" dirty="0"/>
-              <a:t>.) Vier Gewinnt</a:t>
-            </a:r>
-          </a:p>
-          <a:p>
-            <a:r>
-              <a:rPr lang="de-DE"/>
-              <a:t>.) JsonParser </a:t>
-            </a:r>
-            <a:r>
-              <a:rPr lang="de-DE" dirty="0"/>
-              <a:t>selbst geschrieben (Bonus: Typ als Generic übergeben, per Reflection erstellen)</a:t>
-            </a:r>
             <a:endParaRPr lang="en-AT" dirty="0"/>
           </a:p>
         </p:txBody>
@@ -3013,7 +2981,7 @@
           <a:p>
             <a:fld id="{4F9BBA49-313F-47D7-A954-C3F504465317}" type="datetimeFigureOut">
               <a:rPr lang="de-AT" smtClean="0"/>
-              <a:t>14.07.2022</a:t>
+              <a:t>18.07.2022</a:t>
             </a:fld>
             <a:endParaRPr lang="de-AT"/>
           </a:p>
@@ -3183,7 +3151,7 @@
           <a:p>
             <a:fld id="{4F9BBA49-313F-47D7-A954-C3F504465317}" type="datetimeFigureOut">
               <a:rPr lang="de-AT" smtClean="0"/>
-              <a:t>14.07.2022</a:t>
+              <a:t>18.07.2022</a:t>
             </a:fld>
             <a:endParaRPr lang="de-AT"/>
           </a:p>
@@ -6472,7 +6440,7 @@
             </a:br>
             <a:r>
               <a:rPr lang="de-AT" sz="2400" b="1" dirty="0"/>
-              <a:t>xx.0x.2022</a:t>
+              <a:t>19.08.2022</a:t>
             </a:r>
             <a:endParaRPr lang="de-AT" sz="1800" b="1" dirty="0"/>
           </a:p>
@@ -8821,7 +8789,23 @@
             <a:pPr lvl="1"/>
             <a:r>
               <a:rPr lang="de-AT" dirty="0"/>
-              <a:t>Der eine Test schlägt fehl weil die eine Methode/Klasse einen Fehler hat</a:t>
+              <a:t>Der eine Test schlägt fehl weil die </a:t>
+            </a:r>
+            <a:r>
+              <a:rPr lang="de-AT" b="1" dirty="0"/>
+              <a:t>eine</a:t>
+            </a:r>
+            <a:r>
+              <a:rPr lang="de-AT" dirty="0"/>
+              <a:t> Methode/Klasse </a:t>
+            </a:r>
+            <a:r>
+              <a:rPr lang="de-AT" b="1" dirty="0"/>
+              <a:t>einen</a:t>
+            </a:r>
+            <a:r>
+              <a:rPr lang="de-AT" dirty="0"/>
+              <a:t> Fehler hat</a:t>
             </a:r>
           </a:p>
           <a:p>
@@ -10232,45 +10216,6 @@
           <a:p>
             <a:r>
               <a:rPr lang="en-GB" dirty="0"/>
-              <a:t>Falls </a:t>
-            </a:r>
-            <a:r>
-              <a:rPr lang="en-GB" dirty="0" err="1"/>
-              <a:t>gewünscht</a:t>
-            </a:r>
-            <a:r>
-              <a:rPr lang="en-GB" dirty="0"/>
-              <a:t>: </a:t>
-            </a:r>
-            <a:r>
-              <a:rPr lang="en-GB" dirty="0" err="1"/>
-              <a:t>mit</a:t>
-            </a:r>
-            <a:r>
-              <a:rPr lang="en-GB" dirty="0"/>
-              <a:t> </a:t>
-            </a:r>
-            <a:r>
-              <a:rPr lang="en-GB" dirty="0" err="1"/>
-              <a:t>einem</a:t>
-            </a:r>
-            <a:r>
-              <a:rPr lang="en-GB" dirty="0"/>
-              <a:t> Pattern </a:t>
-            </a:r>
-            <a:r>
-              <a:rPr lang="en-GB" dirty="0" err="1"/>
-              <a:t>arbeiten</a:t>
-            </a:r>
-            <a:r>
-              <a:rPr lang="en-GB" dirty="0"/>
-              <a:t>?</a:t>
-            </a:r>
-          </a:p>
-          <a:p>
-            <a:pPr lvl="1"/>
-            <a:r>
-              <a:rPr lang="en-GB" dirty="0"/>
               <a:t>https://www.tutorialspoint.com/design_pattern/strategy_pattern.htm</a:t>
             </a:r>
           </a:p>

--- a/Mocking/CodingDojo_Mocking.pptx
+++ b/Mocking/CodingDojo_Mocking.pptx
@@ -5,7 +5,7 @@
     <p:sldMasterId id="2147483667" r:id="rId1"/>
   </p:sldMasterIdLst>
   <p:notesMasterIdLst>
-    <p:notesMasterId r:id="rId12"/>
+    <p:notesMasterId r:id="rId13"/>
   </p:notesMasterIdLst>
   <p:sldIdLst>
     <p:sldId id="270" r:id="rId2"/>
@@ -15,9 +15,10 @@
     <p:sldId id="286" r:id="rId6"/>
     <p:sldId id="287" r:id="rId7"/>
     <p:sldId id="288" r:id="rId8"/>
-    <p:sldId id="289" r:id="rId9"/>
-    <p:sldId id="283" r:id="rId10"/>
-    <p:sldId id="285" r:id="rId11"/>
+    <p:sldId id="290" r:id="rId9"/>
+    <p:sldId id="289" r:id="rId10"/>
+    <p:sldId id="283" r:id="rId11"/>
+    <p:sldId id="285" r:id="rId12"/>
   </p:sldIdLst>
   <p:sldSz cx="12192000" cy="6858000"/>
   <p:notesSz cx="6858000" cy="9144000"/>
@@ -217,7 +218,7 @@
           <a:p>
             <a:fld id="{550C01F7-036F-4DDB-91D3-72DE411FB950}" type="datetimeFigureOut">
               <a:rPr lang="de-AT" smtClean="0"/>
-              <a:t>18.07.2022</a:t>
+              <a:t>18.08.2022</a:t>
             </a:fld>
             <a:endParaRPr lang="de-AT"/>
           </a:p>
@@ -1560,7 +1561,7 @@
           <a:p>
             <a:fld id="{222DE6FD-D7F2-49F0-A0DD-6365E6F7E0B0}" type="slidenum">
               <a:rPr lang="de-AT" smtClean="0"/>
-              <a:t>9</a:t>
+              <a:t>10</a:t>
             </a:fld>
             <a:endParaRPr lang="de-AT"/>
           </a:p>
@@ -2981,7 +2982,7 @@
           <a:p>
             <a:fld id="{4F9BBA49-313F-47D7-A954-C3F504465317}" type="datetimeFigureOut">
               <a:rPr lang="de-AT" smtClean="0"/>
-              <a:t>18.07.2022</a:t>
+              <a:t>18.08.2022</a:t>
             </a:fld>
             <a:endParaRPr lang="de-AT"/>
           </a:p>
@@ -3151,7 +3152,7 @@
           <a:p>
             <a:fld id="{4F9BBA49-313F-47D7-A954-C3F504465317}" type="datetimeFigureOut">
               <a:rPr lang="de-AT" smtClean="0"/>
-              <a:t>18.07.2022</a:t>
+              <a:t>18.08.2022</a:t>
             </a:fld>
             <a:endParaRPr lang="de-AT"/>
           </a:p>
@@ -6523,6 +6524,334 @@
 </file>
 
 <file path=ppt/slides/slide10.xml><?xml version="1.0" encoding="utf-8"?>
+<p:sld xmlns:a="http://schemas.openxmlformats.org/drawingml/2006/main" xmlns:r="http://schemas.openxmlformats.org/officeDocument/2006/relationships" xmlns:p="http://schemas.openxmlformats.org/presentationml/2006/main">
+  <p:cSld>
+    <p:spTree>
+      <p:nvGrpSpPr>
+        <p:cNvPr id="1" name=""/>
+        <p:cNvGrpSpPr/>
+        <p:nvPr/>
+      </p:nvGrpSpPr>
+      <p:grpSpPr>
+        <a:xfrm>
+          <a:off x="0" y="0"/>
+          <a:ext cx="0" cy="0"/>
+          <a:chOff x="0" y="0"/>
+          <a:chExt cx="0" cy="0"/>
+        </a:xfrm>
+      </p:grpSpPr>
+      <p:sp>
+        <p:nvSpPr>
+          <p:cNvPr id="2" name="Title 1">
+            <a:extLst>
+              <a:ext uri="{FF2B5EF4-FFF2-40B4-BE49-F238E27FC236}">
+                <a16:creationId xmlns:a16="http://schemas.microsoft.com/office/drawing/2014/main" id="{9E36F4ED-769D-49BA-8930-4C7CE2636CA3}"/>
+              </a:ext>
+            </a:extLst>
+          </p:cNvPr>
+          <p:cNvSpPr>
+            <a:spLocks noGrp="1"/>
+          </p:cNvSpPr>
+          <p:nvPr>
+            <p:ph type="title"/>
+          </p:nvPr>
+        </p:nvSpPr>
+        <p:spPr/>
+        <p:txBody>
+          <a:bodyPr/>
+          <a:lstStyle/>
+          <a:p>
+            <a:r>
+              <a:rPr lang="en-US" dirty="0"/>
+              <a:t>Setup</a:t>
+            </a:r>
+            <a:endParaRPr lang="de-AT" dirty="0"/>
+          </a:p>
+        </p:txBody>
+      </p:sp>
+      <p:sp>
+        <p:nvSpPr>
+          <p:cNvPr id="3" name="Content Placeholder 2">
+            <a:extLst>
+              <a:ext uri="{FF2B5EF4-FFF2-40B4-BE49-F238E27FC236}">
+                <a16:creationId xmlns:a16="http://schemas.microsoft.com/office/drawing/2014/main" id="{0AFE0005-C90E-4ED3-9B5C-6119CEAE399E}"/>
+              </a:ext>
+            </a:extLst>
+          </p:cNvPr>
+          <p:cNvSpPr>
+            <a:spLocks noGrp="1"/>
+          </p:cNvSpPr>
+          <p:nvPr>
+            <p:ph type="body" sz="quarter" idx="13"/>
+          </p:nvPr>
+        </p:nvSpPr>
+        <p:spPr/>
+        <p:txBody>
+          <a:bodyPr/>
+          <a:lstStyle/>
+          <a:p>
+            <a:pPr marL="457200" lvl="1" indent="0">
+              <a:buNone/>
+            </a:pPr>
+            <a:endParaRPr lang="de-AT" dirty="0"/>
+          </a:p>
+          <a:p>
+            <a:endParaRPr lang="de-AT" dirty="0"/>
+          </a:p>
+        </p:txBody>
+      </p:sp>
+      <p:sp>
+        <p:nvSpPr>
+          <p:cNvPr id="5" name="Content Placeholder 2"/>
+          <p:cNvSpPr txBox="1">
+            <a:spLocks/>
+          </p:cNvSpPr>
+          <p:nvPr/>
+        </p:nvSpPr>
+        <p:spPr>
+          <a:xfrm>
+            <a:off x="838200" y="1825625"/>
+            <a:ext cx="10515600" cy="4351338"/>
+          </a:xfrm>
+          <a:prstGeom prst="rect">
+            <a:avLst/>
+          </a:prstGeom>
+        </p:spPr>
+        <p:txBody>
+          <a:bodyPr vert="horz" lIns="91440" tIns="45720" rIns="91440" bIns="45720" rtlCol="0">
+            <a:normAutofit/>
+          </a:bodyPr>
+          <a:lstStyle>
+            <a:lvl1pPr marL="228600" indent="-228600" algn="l" defTabSz="914400" rtl="0" eaLnBrk="1" latinLnBrk="0" hangingPunct="1">
+              <a:lnSpc>
+                <a:spcPct val="90000"/>
+              </a:lnSpc>
+              <a:spcBef>
+                <a:spcPts val="1000"/>
+              </a:spcBef>
+              <a:buFont typeface="Arial" panose="020B0604020202020204" pitchFamily="34" charset="0"/>
+              <a:buChar char="•"/>
+              <a:defRPr sz="2800" kern="1200">
+                <a:solidFill>
+                  <a:schemeClr val="tx1"/>
+                </a:solidFill>
+                <a:latin typeface="+mn-lt"/>
+                <a:ea typeface="+mn-ea"/>
+                <a:cs typeface="+mn-cs"/>
+              </a:defRPr>
+            </a:lvl1pPr>
+            <a:lvl2pPr marL="685800" indent="-228600" algn="l" defTabSz="914400" rtl="0" eaLnBrk="1" latinLnBrk="0" hangingPunct="1">
+              <a:lnSpc>
+                <a:spcPct val="90000"/>
+              </a:lnSpc>
+              <a:spcBef>
+                <a:spcPts val="500"/>
+              </a:spcBef>
+              <a:buFont typeface="Arial" panose="020B0604020202020204" pitchFamily="34" charset="0"/>
+              <a:buChar char="•"/>
+              <a:defRPr sz="2400" kern="1200">
+                <a:solidFill>
+                  <a:schemeClr val="tx1"/>
+                </a:solidFill>
+                <a:latin typeface="+mn-lt"/>
+                <a:ea typeface="+mn-ea"/>
+                <a:cs typeface="+mn-cs"/>
+              </a:defRPr>
+            </a:lvl2pPr>
+            <a:lvl3pPr marL="1143000" indent="-228600" algn="l" defTabSz="914400" rtl="0" eaLnBrk="1" latinLnBrk="0" hangingPunct="1">
+              <a:lnSpc>
+                <a:spcPct val="90000"/>
+              </a:lnSpc>
+              <a:spcBef>
+                <a:spcPts val="500"/>
+              </a:spcBef>
+              <a:buFont typeface="Arial" panose="020B0604020202020204" pitchFamily="34" charset="0"/>
+              <a:buChar char="•"/>
+              <a:defRPr sz="2000" kern="1200">
+                <a:solidFill>
+                  <a:schemeClr val="tx1"/>
+                </a:solidFill>
+                <a:latin typeface="+mn-lt"/>
+                <a:ea typeface="+mn-ea"/>
+                <a:cs typeface="+mn-cs"/>
+              </a:defRPr>
+            </a:lvl3pPr>
+            <a:lvl4pPr marL="1600200" indent="-228600" algn="l" defTabSz="914400" rtl="0" eaLnBrk="1" latinLnBrk="0" hangingPunct="1">
+              <a:lnSpc>
+                <a:spcPct val="90000"/>
+              </a:lnSpc>
+              <a:spcBef>
+                <a:spcPts val="500"/>
+              </a:spcBef>
+              <a:buFont typeface="Arial" panose="020B0604020202020204" pitchFamily="34" charset="0"/>
+              <a:buChar char="•"/>
+              <a:defRPr sz="1800" kern="1200">
+                <a:solidFill>
+                  <a:schemeClr val="tx1"/>
+                </a:solidFill>
+                <a:latin typeface="+mn-lt"/>
+                <a:ea typeface="+mn-ea"/>
+                <a:cs typeface="+mn-cs"/>
+              </a:defRPr>
+            </a:lvl4pPr>
+            <a:lvl5pPr marL="2057400" indent="-228600" algn="l" defTabSz="914400" rtl="0" eaLnBrk="1" latinLnBrk="0" hangingPunct="1">
+              <a:lnSpc>
+                <a:spcPct val="90000"/>
+              </a:lnSpc>
+              <a:spcBef>
+                <a:spcPts val="500"/>
+              </a:spcBef>
+              <a:buFont typeface="Arial" panose="020B0604020202020204" pitchFamily="34" charset="0"/>
+              <a:buChar char="•"/>
+              <a:defRPr sz="1800" kern="1200">
+                <a:solidFill>
+                  <a:schemeClr val="tx1"/>
+                </a:solidFill>
+                <a:latin typeface="+mn-lt"/>
+                <a:ea typeface="+mn-ea"/>
+                <a:cs typeface="+mn-cs"/>
+              </a:defRPr>
+            </a:lvl5pPr>
+            <a:lvl6pPr marL="2514600" indent="-228600" algn="l" defTabSz="914400" rtl="0" eaLnBrk="1" latinLnBrk="0" hangingPunct="1">
+              <a:lnSpc>
+                <a:spcPct val="90000"/>
+              </a:lnSpc>
+              <a:spcBef>
+                <a:spcPts val="500"/>
+              </a:spcBef>
+              <a:buFont typeface="Arial" panose="020B0604020202020204" pitchFamily="34" charset="0"/>
+              <a:buChar char="•"/>
+              <a:defRPr sz="1800" kern="1200">
+                <a:solidFill>
+                  <a:schemeClr val="tx1"/>
+                </a:solidFill>
+                <a:latin typeface="+mn-lt"/>
+                <a:ea typeface="+mn-ea"/>
+                <a:cs typeface="+mn-cs"/>
+              </a:defRPr>
+            </a:lvl6pPr>
+            <a:lvl7pPr marL="2971800" indent="-228600" algn="l" defTabSz="914400" rtl="0" eaLnBrk="1" latinLnBrk="0" hangingPunct="1">
+              <a:lnSpc>
+                <a:spcPct val="90000"/>
+              </a:lnSpc>
+              <a:spcBef>
+                <a:spcPts val="500"/>
+              </a:spcBef>
+              <a:buFont typeface="Arial" panose="020B0604020202020204" pitchFamily="34" charset="0"/>
+              <a:buChar char="•"/>
+              <a:defRPr sz="1800" kern="1200">
+                <a:solidFill>
+                  <a:schemeClr val="tx1"/>
+                </a:solidFill>
+                <a:latin typeface="+mn-lt"/>
+                <a:ea typeface="+mn-ea"/>
+                <a:cs typeface="+mn-cs"/>
+              </a:defRPr>
+            </a:lvl7pPr>
+            <a:lvl8pPr marL="3429000" indent="-228600" algn="l" defTabSz="914400" rtl="0" eaLnBrk="1" latinLnBrk="0" hangingPunct="1">
+              <a:lnSpc>
+                <a:spcPct val="90000"/>
+              </a:lnSpc>
+              <a:spcBef>
+                <a:spcPts val="500"/>
+              </a:spcBef>
+              <a:buFont typeface="Arial" panose="020B0604020202020204" pitchFamily="34" charset="0"/>
+              <a:buChar char="•"/>
+              <a:defRPr sz="1800" kern="1200">
+                <a:solidFill>
+                  <a:schemeClr val="tx1"/>
+                </a:solidFill>
+                <a:latin typeface="+mn-lt"/>
+                <a:ea typeface="+mn-ea"/>
+                <a:cs typeface="+mn-cs"/>
+              </a:defRPr>
+            </a:lvl8pPr>
+            <a:lvl9pPr marL="3886200" indent="-228600" algn="l" defTabSz="914400" rtl="0" eaLnBrk="1" latinLnBrk="0" hangingPunct="1">
+              <a:lnSpc>
+                <a:spcPct val="90000"/>
+              </a:lnSpc>
+              <a:spcBef>
+                <a:spcPts val="500"/>
+              </a:spcBef>
+              <a:buFont typeface="Arial" panose="020B0604020202020204" pitchFamily="34" charset="0"/>
+              <a:buChar char="•"/>
+              <a:defRPr sz="1800" kern="1200">
+                <a:solidFill>
+                  <a:schemeClr val="tx1"/>
+                </a:solidFill>
+                <a:latin typeface="+mn-lt"/>
+                <a:ea typeface="+mn-ea"/>
+                <a:cs typeface="+mn-cs"/>
+              </a:defRPr>
+            </a:lvl9pPr>
+          </a:lstStyle>
+          <a:p>
+            <a:pPr marL="285750" indent="-285750">
+              <a:buFont typeface="Arial" panose="020B0604020202020204" pitchFamily="34" charset="0"/>
+              <a:buChar char="•"/>
+            </a:pPr>
+            <a:r>
+              <a:rPr lang="de-AT" dirty="0">
+                <a:hlinkClick r:id="rId3"/>
+              </a:rPr>
+              <a:t>https://github.com/techtalk/CodingDojos.git</a:t>
+            </a:r>
+            <a:endParaRPr lang="de-AT" dirty="0"/>
+          </a:p>
+          <a:p>
+            <a:pPr lvl="1"/>
+            <a:r>
+              <a:rPr lang="en-GB" dirty="0"/>
+              <a:t>Branch “</a:t>
+            </a:r>
+            <a:r>
+              <a:rPr lang="en-GB" dirty="0" err="1"/>
+              <a:t>MockingDojo</a:t>
+            </a:r>
+            <a:r>
+              <a:rPr lang="en-GB" dirty="0"/>
+              <a:t>”</a:t>
+            </a:r>
+          </a:p>
+          <a:p>
+            <a:endParaRPr lang="en-GB" dirty="0"/>
+          </a:p>
+          <a:p>
+            <a:r>
+              <a:rPr lang="en-GB" dirty="0"/>
+              <a:t>https://www.tutorialspoint.com/design_pattern/strategy_pattern.htm</a:t>
+            </a:r>
+          </a:p>
+          <a:p>
+            <a:endParaRPr lang="en-GB" dirty="0"/>
+          </a:p>
+          <a:p>
+            <a:pPr lvl="2"/>
+            <a:endParaRPr lang="en-GB" dirty="0"/>
+          </a:p>
+          <a:p>
+            <a:pPr lvl="1"/>
+            <a:endParaRPr lang="en-GB" dirty="0"/>
+          </a:p>
+          <a:p>
+            <a:endParaRPr lang="en-GB" dirty="0"/>
+          </a:p>
+        </p:txBody>
+      </p:sp>
+    </p:spTree>
+    <p:extLst>
+      <p:ext uri="{BB962C8B-B14F-4D97-AF65-F5344CB8AC3E}">
+        <p14:creationId xmlns:p14="http://schemas.microsoft.com/office/powerpoint/2010/main" val="355067626"/>
+      </p:ext>
+    </p:extLst>
+  </p:cSld>
+  <p:clrMapOvr>
+    <a:masterClrMapping/>
+  </p:clrMapOvr>
+</p:sld>
+</file>
+
+<file path=ppt/slides/slide11.xml><?xml version="1.0" encoding="utf-8"?>
 <p:sld xmlns:a="http://schemas.openxmlformats.org/drawingml/2006/main" xmlns:r="http://schemas.openxmlformats.org/officeDocument/2006/relationships" xmlns:p="http://schemas.openxmlformats.org/presentationml/2006/main">
   <p:cSld>
     <p:spTree>
@@ -8824,6 +9153,359 @@
   <p:clrMapOvr>
     <a:masterClrMapping/>
   </p:clrMapOvr>
+  <p:timing>
+    <p:tnLst>
+      <p:par>
+        <p:cTn id="1" dur="indefinite" restart="never" nodeType="tmRoot">
+          <p:childTnLst>
+            <p:seq concurrent="1" nextAc="seek">
+              <p:cTn id="2" dur="indefinite" nodeType="mainSeq">
+                <p:childTnLst>
+                  <p:par>
+                    <p:cTn id="3" fill="hold">
+                      <p:stCondLst>
+                        <p:cond delay="indefinite"/>
+                      </p:stCondLst>
+                      <p:childTnLst>
+                        <p:par>
+                          <p:cTn id="4" fill="hold">
+                            <p:stCondLst>
+                              <p:cond delay="0"/>
+                            </p:stCondLst>
+                            <p:childTnLst>
+                              <p:par>
+                                <p:cTn id="5" presetID="1" presetClass="entr" presetSubtype="0" fill="hold" grpId="0" nodeType="clickEffect">
+                                  <p:stCondLst>
+                                    <p:cond delay="0"/>
+                                  </p:stCondLst>
+                                  <p:childTnLst>
+                                    <p:set>
+                                      <p:cBhvr>
+                                        <p:cTn id="6" dur="1" fill="hold">
+                                          <p:stCondLst>
+                                            <p:cond delay="0"/>
+                                          </p:stCondLst>
+                                        </p:cTn>
+                                        <p:tgtEl>
+                                          <p:spTgt spid="5">
+                                            <p:txEl>
+                                              <p:pRg st="0" end="0"/>
+                                            </p:txEl>
+                                          </p:spTgt>
+                                        </p:tgtEl>
+                                        <p:attrNameLst>
+                                          <p:attrName>style.visibility</p:attrName>
+                                        </p:attrNameLst>
+                                      </p:cBhvr>
+                                      <p:to>
+                                        <p:strVal val="visible"/>
+                                      </p:to>
+                                    </p:set>
+                                  </p:childTnLst>
+                                </p:cTn>
+                              </p:par>
+                              <p:par>
+                                <p:cTn id="7" presetID="1" presetClass="entr" presetSubtype="0" fill="hold" grpId="0" nodeType="withEffect">
+                                  <p:stCondLst>
+                                    <p:cond delay="0"/>
+                                  </p:stCondLst>
+                                  <p:childTnLst>
+                                    <p:set>
+                                      <p:cBhvr>
+                                        <p:cTn id="8" dur="1" fill="hold">
+                                          <p:stCondLst>
+                                            <p:cond delay="0"/>
+                                          </p:stCondLst>
+                                        </p:cTn>
+                                        <p:tgtEl>
+                                          <p:spTgt spid="5">
+                                            <p:txEl>
+                                              <p:pRg st="1" end="1"/>
+                                            </p:txEl>
+                                          </p:spTgt>
+                                        </p:tgtEl>
+                                        <p:attrNameLst>
+                                          <p:attrName>style.visibility</p:attrName>
+                                        </p:attrNameLst>
+                                      </p:cBhvr>
+                                      <p:to>
+                                        <p:strVal val="visible"/>
+                                      </p:to>
+                                    </p:set>
+                                  </p:childTnLst>
+                                </p:cTn>
+                              </p:par>
+                              <p:par>
+                                <p:cTn id="9" presetID="1" presetClass="entr" presetSubtype="0" fill="hold" grpId="0" nodeType="withEffect">
+                                  <p:stCondLst>
+                                    <p:cond delay="0"/>
+                                  </p:stCondLst>
+                                  <p:childTnLst>
+                                    <p:set>
+                                      <p:cBhvr>
+                                        <p:cTn id="10" dur="1" fill="hold">
+                                          <p:stCondLst>
+                                            <p:cond delay="0"/>
+                                          </p:stCondLst>
+                                        </p:cTn>
+                                        <p:tgtEl>
+                                          <p:spTgt spid="5">
+                                            <p:txEl>
+                                              <p:pRg st="2" end="2"/>
+                                            </p:txEl>
+                                          </p:spTgt>
+                                        </p:tgtEl>
+                                        <p:attrNameLst>
+                                          <p:attrName>style.visibility</p:attrName>
+                                        </p:attrNameLst>
+                                      </p:cBhvr>
+                                      <p:to>
+                                        <p:strVal val="visible"/>
+                                      </p:to>
+                                    </p:set>
+                                  </p:childTnLst>
+                                </p:cTn>
+                              </p:par>
+                            </p:childTnLst>
+                          </p:cTn>
+                        </p:par>
+                      </p:childTnLst>
+                    </p:cTn>
+                  </p:par>
+                  <p:par>
+                    <p:cTn id="11" fill="hold">
+                      <p:stCondLst>
+                        <p:cond delay="indefinite"/>
+                      </p:stCondLst>
+                      <p:childTnLst>
+                        <p:par>
+                          <p:cTn id="12" fill="hold">
+                            <p:stCondLst>
+                              <p:cond delay="0"/>
+                            </p:stCondLst>
+                            <p:childTnLst>
+                              <p:par>
+                                <p:cTn id="13" presetID="1" presetClass="entr" presetSubtype="0" fill="hold" grpId="0" nodeType="clickEffect">
+                                  <p:stCondLst>
+                                    <p:cond delay="0"/>
+                                  </p:stCondLst>
+                                  <p:childTnLst>
+                                    <p:set>
+                                      <p:cBhvr>
+                                        <p:cTn id="14" dur="1" fill="hold">
+                                          <p:stCondLst>
+                                            <p:cond delay="0"/>
+                                          </p:stCondLst>
+                                        </p:cTn>
+                                        <p:tgtEl>
+                                          <p:spTgt spid="5">
+                                            <p:txEl>
+                                              <p:pRg st="3" end="3"/>
+                                            </p:txEl>
+                                          </p:spTgt>
+                                        </p:tgtEl>
+                                        <p:attrNameLst>
+                                          <p:attrName>style.visibility</p:attrName>
+                                        </p:attrNameLst>
+                                      </p:cBhvr>
+                                      <p:to>
+                                        <p:strVal val="visible"/>
+                                      </p:to>
+                                    </p:set>
+                                  </p:childTnLst>
+                                </p:cTn>
+                              </p:par>
+                              <p:par>
+                                <p:cTn id="15" presetID="1" presetClass="entr" presetSubtype="0" fill="hold" grpId="0" nodeType="withEffect">
+                                  <p:stCondLst>
+                                    <p:cond delay="0"/>
+                                  </p:stCondLst>
+                                  <p:childTnLst>
+                                    <p:set>
+                                      <p:cBhvr>
+                                        <p:cTn id="16" dur="1" fill="hold">
+                                          <p:stCondLst>
+                                            <p:cond delay="0"/>
+                                          </p:stCondLst>
+                                        </p:cTn>
+                                        <p:tgtEl>
+                                          <p:spTgt spid="5">
+                                            <p:txEl>
+                                              <p:pRg st="4" end="4"/>
+                                            </p:txEl>
+                                          </p:spTgt>
+                                        </p:tgtEl>
+                                        <p:attrNameLst>
+                                          <p:attrName>style.visibility</p:attrName>
+                                        </p:attrNameLst>
+                                      </p:cBhvr>
+                                      <p:to>
+                                        <p:strVal val="visible"/>
+                                      </p:to>
+                                    </p:set>
+                                  </p:childTnLst>
+                                </p:cTn>
+                              </p:par>
+                            </p:childTnLst>
+                          </p:cTn>
+                        </p:par>
+                      </p:childTnLst>
+                    </p:cTn>
+                  </p:par>
+                  <p:par>
+                    <p:cTn id="17" fill="hold">
+                      <p:stCondLst>
+                        <p:cond delay="indefinite"/>
+                      </p:stCondLst>
+                      <p:childTnLst>
+                        <p:par>
+                          <p:cTn id="18" fill="hold">
+                            <p:stCondLst>
+                              <p:cond delay="0"/>
+                            </p:stCondLst>
+                            <p:childTnLst>
+                              <p:par>
+                                <p:cTn id="19" presetID="1" presetClass="entr" presetSubtype="0" fill="hold" grpId="0" nodeType="clickEffect">
+                                  <p:stCondLst>
+                                    <p:cond delay="0"/>
+                                  </p:stCondLst>
+                                  <p:childTnLst>
+                                    <p:set>
+                                      <p:cBhvr>
+                                        <p:cTn id="20" dur="1" fill="hold">
+                                          <p:stCondLst>
+                                            <p:cond delay="0"/>
+                                          </p:stCondLst>
+                                        </p:cTn>
+                                        <p:tgtEl>
+                                          <p:spTgt spid="5">
+                                            <p:txEl>
+                                              <p:pRg st="5" end="5"/>
+                                            </p:txEl>
+                                          </p:spTgt>
+                                        </p:tgtEl>
+                                        <p:attrNameLst>
+                                          <p:attrName>style.visibility</p:attrName>
+                                        </p:attrNameLst>
+                                      </p:cBhvr>
+                                      <p:to>
+                                        <p:strVal val="visible"/>
+                                      </p:to>
+                                    </p:set>
+                                  </p:childTnLst>
+                                </p:cTn>
+                              </p:par>
+                            </p:childTnLst>
+                          </p:cTn>
+                        </p:par>
+                      </p:childTnLst>
+                    </p:cTn>
+                  </p:par>
+                  <p:par>
+                    <p:cTn id="21" fill="hold">
+                      <p:stCondLst>
+                        <p:cond delay="indefinite"/>
+                      </p:stCondLst>
+                      <p:childTnLst>
+                        <p:par>
+                          <p:cTn id="22" fill="hold">
+                            <p:stCondLst>
+                              <p:cond delay="0"/>
+                            </p:stCondLst>
+                            <p:childTnLst>
+                              <p:par>
+                                <p:cTn id="23" presetID="1" presetClass="entr" presetSubtype="0" fill="hold" grpId="0" nodeType="clickEffect">
+                                  <p:stCondLst>
+                                    <p:cond delay="0"/>
+                                  </p:stCondLst>
+                                  <p:childTnLst>
+                                    <p:set>
+                                      <p:cBhvr>
+                                        <p:cTn id="24" dur="1" fill="hold">
+                                          <p:stCondLst>
+                                            <p:cond delay="0"/>
+                                          </p:stCondLst>
+                                        </p:cTn>
+                                        <p:tgtEl>
+                                          <p:spTgt spid="5">
+                                            <p:txEl>
+                                              <p:pRg st="6" end="6"/>
+                                            </p:txEl>
+                                          </p:spTgt>
+                                        </p:tgtEl>
+                                        <p:attrNameLst>
+                                          <p:attrName>style.visibility</p:attrName>
+                                        </p:attrNameLst>
+                                      </p:cBhvr>
+                                      <p:to>
+                                        <p:strVal val="visible"/>
+                                      </p:to>
+                                    </p:set>
+                                  </p:childTnLst>
+                                </p:cTn>
+                              </p:par>
+                              <p:par>
+                                <p:cTn id="25" presetID="1" presetClass="entr" presetSubtype="0" fill="hold" grpId="0" nodeType="withEffect">
+                                  <p:stCondLst>
+                                    <p:cond delay="0"/>
+                                  </p:stCondLst>
+                                  <p:childTnLst>
+                                    <p:set>
+                                      <p:cBhvr>
+                                        <p:cTn id="26" dur="1" fill="hold">
+                                          <p:stCondLst>
+                                            <p:cond delay="0"/>
+                                          </p:stCondLst>
+                                        </p:cTn>
+                                        <p:tgtEl>
+                                          <p:spTgt spid="5">
+                                            <p:txEl>
+                                              <p:pRg st="7" end="7"/>
+                                            </p:txEl>
+                                          </p:spTgt>
+                                        </p:tgtEl>
+                                        <p:attrNameLst>
+                                          <p:attrName>style.visibility</p:attrName>
+                                        </p:attrNameLst>
+                                      </p:cBhvr>
+                                      <p:to>
+                                        <p:strVal val="visible"/>
+                                      </p:to>
+                                    </p:set>
+                                  </p:childTnLst>
+                                </p:cTn>
+                              </p:par>
+                            </p:childTnLst>
+                          </p:cTn>
+                        </p:par>
+                      </p:childTnLst>
+                    </p:cTn>
+                  </p:par>
+                </p:childTnLst>
+              </p:cTn>
+              <p:prevCondLst>
+                <p:cond evt="onPrev" delay="0">
+                  <p:tgtEl>
+                    <p:sldTgt/>
+                  </p:tgtEl>
+                </p:cond>
+              </p:prevCondLst>
+              <p:nextCondLst>
+                <p:cond evt="onNext" delay="0">
+                  <p:tgtEl>
+                    <p:sldTgt/>
+                  </p:tgtEl>
+                </p:cond>
+              </p:nextCondLst>
+            </p:seq>
+          </p:childTnLst>
+        </p:cTn>
+      </p:par>
+    </p:tnLst>
+    <p:bldLst>
+      <p:bldP spid="5" grpId="0" build="p"/>
+    </p:bldLst>
+  </p:timing>
 </p:sld>
 </file>
 
@@ -9797,6 +10479,164 @@
           <a:p>
             <a:r>
               <a:rPr lang="en-GB" dirty="0" err="1"/>
+              <a:t>Begriffe</a:t>
+            </a:r>
+            <a:endParaRPr lang="en-AT" dirty="0"/>
+          </a:p>
+        </p:txBody>
+      </p:sp>
+      <p:pic>
+        <p:nvPicPr>
+          <p:cNvPr id="1026" name="Picture 2" descr="stub-diagram">
+            <a:extLst>
+              <a:ext uri="{FF2B5EF4-FFF2-40B4-BE49-F238E27FC236}">
+                <a16:creationId xmlns:a16="http://schemas.microsoft.com/office/drawing/2014/main" id="{6DC2372D-5959-24CE-AC6E-2CFB827E9595}"/>
+              </a:ext>
+            </a:extLst>
+          </p:cNvPr>
+          <p:cNvPicPr>
+            <a:picLocks noChangeAspect="1" noChangeArrowheads="1"/>
+          </p:cNvPicPr>
+          <p:nvPr/>
+        </p:nvPicPr>
+        <p:blipFill>
+          <a:blip r:embed="rId2">
+            <a:extLst>
+              <a:ext uri="{28A0092B-C50C-407E-A947-70E740481C1C}">
+                <a14:useLocalDpi xmlns:a14="http://schemas.microsoft.com/office/drawing/2010/main" val="0"/>
+              </a:ext>
+            </a:extLst>
+          </a:blip>
+          <a:srcRect/>
+          <a:stretch>
+            <a:fillRect/>
+          </a:stretch>
+        </p:blipFill>
+        <p:spPr bwMode="auto">
+          <a:xfrm>
+            <a:off x="527851" y="1648022"/>
+            <a:ext cx="4924425" cy="3743325"/>
+          </a:xfrm>
+          <a:prstGeom prst="rect">
+            <a:avLst/>
+          </a:prstGeom>
+          <a:noFill/>
+          <a:extLst>
+            <a:ext uri="{909E8E84-426E-40DD-AFC4-6F175D3DCCD1}">
+              <a14:hiddenFill xmlns:a14="http://schemas.microsoft.com/office/drawing/2010/main">
+                <a:solidFill>
+                  <a:srgbClr val="FFFFFF"/>
+                </a:solidFill>
+              </a14:hiddenFill>
+            </a:ext>
+          </a:extLst>
+        </p:spPr>
+      </p:pic>
+      <p:pic>
+        <p:nvPicPr>
+          <p:cNvPr id="1028" name="Picture 4">
+            <a:extLst>
+              <a:ext uri="{FF2B5EF4-FFF2-40B4-BE49-F238E27FC236}">
+                <a16:creationId xmlns:a16="http://schemas.microsoft.com/office/drawing/2014/main" id="{AB41A1FB-B64D-845B-9A14-21EE74DAD0BF}"/>
+              </a:ext>
+            </a:extLst>
+          </p:cNvPr>
+          <p:cNvPicPr>
+            <a:picLocks noChangeAspect="1" noChangeArrowheads="1"/>
+          </p:cNvPicPr>
+          <p:nvPr/>
+        </p:nvPicPr>
+        <p:blipFill>
+          <a:blip r:embed="rId3">
+            <a:extLst>
+              <a:ext uri="{28A0092B-C50C-407E-A947-70E740481C1C}">
+                <a14:useLocalDpi xmlns:a14="http://schemas.microsoft.com/office/drawing/2010/main" val="0"/>
+              </a:ext>
+            </a:extLst>
+          </a:blip>
+          <a:srcRect/>
+          <a:stretch>
+            <a:fillRect/>
+          </a:stretch>
+        </p:blipFill>
+        <p:spPr bwMode="auto">
+          <a:xfrm>
+            <a:off x="6205340" y="1547812"/>
+            <a:ext cx="5086350" cy="3762375"/>
+          </a:xfrm>
+          <a:prstGeom prst="rect">
+            <a:avLst/>
+          </a:prstGeom>
+          <a:noFill/>
+          <a:extLst>
+            <a:ext uri="{909E8E84-426E-40DD-AFC4-6F175D3DCCD1}">
+              <a14:hiddenFill xmlns:a14="http://schemas.microsoft.com/office/drawing/2010/main">
+                <a:solidFill>
+                  <a:srgbClr val="FFFFFF"/>
+                </a:solidFill>
+              </a14:hiddenFill>
+            </a:ext>
+          </a:extLst>
+        </p:spPr>
+      </p:pic>
+    </p:spTree>
+    <p:extLst>
+      <p:ext uri="{BB962C8B-B14F-4D97-AF65-F5344CB8AC3E}">
+        <p14:creationId xmlns:p14="http://schemas.microsoft.com/office/powerpoint/2010/main" val="1421001959"/>
+      </p:ext>
+    </p:extLst>
+  </p:cSld>
+  <p:clrMapOvr>
+    <a:masterClrMapping/>
+  </p:clrMapOvr>
+</p:sld>
+</file>
+
+<file path=ppt/slides/slide9.xml><?xml version="1.0" encoding="utf-8"?>
+<p:sld xmlns:a="http://schemas.openxmlformats.org/drawingml/2006/main" xmlns:r="http://schemas.openxmlformats.org/officeDocument/2006/relationships" xmlns:p="http://schemas.openxmlformats.org/presentationml/2006/main">
+  <p:cSld>
+    <p:spTree>
+      <p:nvGrpSpPr>
+        <p:cNvPr id="1" name=""/>
+        <p:cNvGrpSpPr/>
+        <p:nvPr/>
+      </p:nvGrpSpPr>
+      <p:grpSpPr>
+        <a:xfrm>
+          <a:off x="0" y="0"/>
+          <a:ext cx="0" cy="0"/>
+          <a:chOff x="0" y="0"/>
+          <a:chExt cx="0" cy="0"/>
+        </a:xfrm>
+      </p:grpSpPr>
+      <p:sp>
+        <p:nvSpPr>
+          <p:cNvPr id="3" name="Title 2">
+            <a:extLst>
+              <a:ext uri="{FF2B5EF4-FFF2-40B4-BE49-F238E27FC236}">
+                <a16:creationId xmlns:a16="http://schemas.microsoft.com/office/drawing/2014/main" id="{228C96B3-ED36-32E6-DD5A-F380A53C722F}"/>
+              </a:ext>
+            </a:extLst>
+          </p:cNvPr>
+          <p:cNvSpPr>
+            <a:spLocks noGrp="1"/>
+          </p:cNvSpPr>
+          <p:nvPr>
+            <p:ph type="title"/>
+          </p:nvPr>
+        </p:nvSpPr>
+        <p:spPr>
+          <a:xfrm>
+            <a:off x="837565" y="740701"/>
+            <a:ext cx="10346647" cy="594715"/>
+          </a:xfrm>
+        </p:spPr>
+        <p:txBody>
+          <a:bodyPr/>
+          <a:lstStyle/>
+          <a:p>
+            <a:r>
+              <a:rPr lang="en-GB" dirty="0" err="1"/>
               <a:t>Implementierung</a:t>
             </a:r>
             <a:endParaRPr lang="en-AT" dirty="0"/>
@@ -9911,334 +10751,6 @@
     <p:extLst>
       <p:ext uri="{BB962C8B-B14F-4D97-AF65-F5344CB8AC3E}">
         <p14:creationId xmlns:p14="http://schemas.microsoft.com/office/powerpoint/2010/main" val="499184475"/>
-      </p:ext>
-    </p:extLst>
-  </p:cSld>
-  <p:clrMapOvr>
-    <a:masterClrMapping/>
-  </p:clrMapOvr>
-</p:sld>
-</file>
-
-<file path=ppt/slides/slide9.xml><?xml version="1.0" encoding="utf-8"?>
-<p:sld xmlns:a="http://schemas.openxmlformats.org/drawingml/2006/main" xmlns:r="http://schemas.openxmlformats.org/officeDocument/2006/relationships" xmlns:p="http://schemas.openxmlformats.org/presentationml/2006/main">
-  <p:cSld>
-    <p:spTree>
-      <p:nvGrpSpPr>
-        <p:cNvPr id="1" name=""/>
-        <p:cNvGrpSpPr/>
-        <p:nvPr/>
-      </p:nvGrpSpPr>
-      <p:grpSpPr>
-        <a:xfrm>
-          <a:off x="0" y="0"/>
-          <a:ext cx="0" cy="0"/>
-          <a:chOff x="0" y="0"/>
-          <a:chExt cx="0" cy="0"/>
-        </a:xfrm>
-      </p:grpSpPr>
-      <p:sp>
-        <p:nvSpPr>
-          <p:cNvPr id="2" name="Title 1">
-            <a:extLst>
-              <a:ext uri="{FF2B5EF4-FFF2-40B4-BE49-F238E27FC236}">
-                <a16:creationId xmlns:a16="http://schemas.microsoft.com/office/drawing/2014/main" id="{9E36F4ED-769D-49BA-8930-4C7CE2636CA3}"/>
-              </a:ext>
-            </a:extLst>
-          </p:cNvPr>
-          <p:cNvSpPr>
-            <a:spLocks noGrp="1"/>
-          </p:cNvSpPr>
-          <p:nvPr>
-            <p:ph type="title"/>
-          </p:nvPr>
-        </p:nvSpPr>
-        <p:spPr/>
-        <p:txBody>
-          <a:bodyPr/>
-          <a:lstStyle/>
-          <a:p>
-            <a:r>
-              <a:rPr lang="en-US" dirty="0"/>
-              <a:t>Setup</a:t>
-            </a:r>
-            <a:endParaRPr lang="de-AT" dirty="0"/>
-          </a:p>
-        </p:txBody>
-      </p:sp>
-      <p:sp>
-        <p:nvSpPr>
-          <p:cNvPr id="3" name="Content Placeholder 2">
-            <a:extLst>
-              <a:ext uri="{FF2B5EF4-FFF2-40B4-BE49-F238E27FC236}">
-                <a16:creationId xmlns:a16="http://schemas.microsoft.com/office/drawing/2014/main" id="{0AFE0005-C90E-4ED3-9B5C-6119CEAE399E}"/>
-              </a:ext>
-            </a:extLst>
-          </p:cNvPr>
-          <p:cNvSpPr>
-            <a:spLocks noGrp="1"/>
-          </p:cNvSpPr>
-          <p:nvPr>
-            <p:ph type="body" sz="quarter" idx="13"/>
-          </p:nvPr>
-        </p:nvSpPr>
-        <p:spPr/>
-        <p:txBody>
-          <a:bodyPr/>
-          <a:lstStyle/>
-          <a:p>
-            <a:pPr marL="457200" lvl="1" indent="0">
-              <a:buNone/>
-            </a:pPr>
-            <a:endParaRPr lang="de-AT" dirty="0"/>
-          </a:p>
-          <a:p>
-            <a:endParaRPr lang="de-AT" dirty="0"/>
-          </a:p>
-        </p:txBody>
-      </p:sp>
-      <p:sp>
-        <p:nvSpPr>
-          <p:cNvPr id="5" name="Content Placeholder 2"/>
-          <p:cNvSpPr txBox="1">
-            <a:spLocks/>
-          </p:cNvSpPr>
-          <p:nvPr/>
-        </p:nvSpPr>
-        <p:spPr>
-          <a:xfrm>
-            <a:off x="838200" y="1825625"/>
-            <a:ext cx="10515600" cy="4351338"/>
-          </a:xfrm>
-          <a:prstGeom prst="rect">
-            <a:avLst/>
-          </a:prstGeom>
-        </p:spPr>
-        <p:txBody>
-          <a:bodyPr vert="horz" lIns="91440" tIns="45720" rIns="91440" bIns="45720" rtlCol="0">
-            <a:normAutofit/>
-          </a:bodyPr>
-          <a:lstStyle>
-            <a:lvl1pPr marL="228600" indent="-228600" algn="l" defTabSz="914400" rtl="0" eaLnBrk="1" latinLnBrk="0" hangingPunct="1">
-              <a:lnSpc>
-                <a:spcPct val="90000"/>
-              </a:lnSpc>
-              <a:spcBef>
-                <a:spcPts val="1000"/>
-              </a:spcBef>
-              <a:buFont typeface="Arial" panose="020B0604020202020204" pitchFamily="34" charset="0"/>
-              <a:buChar char="•"/>
-              <a:defRPr sz="2800" kern="1200">
-                <a:solidFill>
-                  <a:schemeClr val="tx1"/>
-                </a:solidFill>
-                <a:latin typeface="+mn-lt"/>
-                <a:ea typeface="+mn-ea"/>
-                <a:cs typeface="+mn-cs"/>
-              </a:defRPr>
-            </a:lvl1pPr>
-            <a:lvl2pPr marL="685800" indent="-228600" algn="l" defTabSz="914400" rtl="0" eaLnBrk="1" latinLnBrk="0" hangingPunct="1">
-              <a:lnSpc>
-                <a:spcPct val="90000"/>
-              </a:lnSpc>
-              <a:spcBef>
-                <a:spcPts val="500"/>
-              </a:spcBef>
-              <a:buFont typeface="Arial" panose="020B0604020202020204" pitchFamily="34" charset="0"/>
-              <a:buChar char="•"/>
-              <a:defRPr sz="2400" kern="1200">
-                <a:solidFill>
-                  <a:schemeClr val="tx1"/>
-                </a:solidFill>
-                <a:latin typeface="+mn-lt"/>
-                <a:ea typeface="+mn-ea"/>
-                <a:cs typeface="+mn-cs"/>
-              </a:defRPr>
-            </a:lvl2pPr>
-            <a:lvl3pPr marL="1143000" indent="-228600" algn="l" defTabSz="914400" rtl="0" eaLnBrk="1" latinLnBrk="0" hangingPunct="1">
-              <a:lnSpc>
-                <a:spcPct val="90000"/>
-              </a:lnSpc>
-              <a:spcBef>
-                <a:spcPts val="500"/>
-              </a:spcBef>
-              <a:buFont typeface="Arial" panose="020B0604020202020204" pitchFamily="34" charset="0"/>
-              <a:buChar char="•"/>
-              <a:defRPr sz="2000" kern="1200">
-                <a:solidFill>
-                  <a:schemeClr val="tx1"/>
-                </a:solidFill>
-                <a:latin typeface="+mn-lt"/>
-                <a:ea typeface="+mn-ea"/>
-                <a:cs typeface="+mn-cs"/>
-              </a:defRPr>
-            </a:lvl3pPr>
-            <a:lvl4pPr marL="1600200" indent="-228600" algn="l" defTabSz="914400" rtl="0" eaLnBrk="1" latinLnBrk="0" hangingPunct="1">
-              <a:lnSpc>
-                <a:spcPct val="90000"/>
-              </a:lnSpc>
-              <a:spcBef>
-                <a:spcPts val="500"/>
-              </a:spcBef>
-              <a:buFont typeface="Arial" panose="020B0604020202020204" pitchFamily="34" charset="0"/>
-              <a:buChar char="•"/>
-              <a:defRPr sz="1800" kern="1200">
-                <a:solidFill>
-                  <a:schemeClr val="tx1"/>
-                </a:solidFill>
-                <a:latin typeface="+mn-lt"/>
-                <a:ea typeface="+mn-ea"/>
-                <a:cs typeface="+mn-cs"/>
-              </a:defRPr>
-            </a:lvl4pPr>
-            <a:lvl5pPr marL="2057400" indent="-228600" algn="l" defTabSz="914400" rtl="0" eaLnBrk="1" latinLnBrk="0" hangingPunct="1">
-              <a:lnSpc>
-                <a:spcPct val="90000"/>
-              </a:lnSpc>
-              <a:spcBef>
-                <a:spcPts val="500"/>
-              </a:spcBef>
-              <a:buFont typeface="Arial" panose="020B0604020202020204" pitchFamily="34" charset="0"/>
-              <a:buChar char="•"/>
-              <a:defRPr sz="1800" kern="1200">
-                <a:solidFill>
-                  <a:schemeClr val="tx1"/>
-                </a:solidFill>
-                <a:latin typeface="+mn-lt"/>
-                <a:ea typeface="+mn-ea"/>
-                <a:cs typeface="+mn-cs"/>
-              </a:defRPr>
-            </a:lvl5pPr>
-            <a:lvl6pPr marL="2514600" indent="-228600" algn="l" defTabSz="914400" rtl="0" eaLnBrk="1" latinLnBrk="0" hangingPunct="1">
-              <a:lnSpc>
-                <a:spcPct val="90000"/>
-              </a:lnSpc>
-              <a:spcBef>
-                <a:spcPts val="500"/>
-              </a:spcBef>
-              <a:buFont typeface="Arial" panose="020B0604020202020204" pitchFamily="34" charset="0"/>
-              <a:buChar char="•"/>
-              <a:defRPr sz="1800" kern="1200">
-                <a:solidFill>
-                  <a:schemeClr val="tx1"/>
-                </a:solidFill>
-                <a:latin typeface="+mn-lt"/>
-                <a:ea typeface="+mn-ea"/>
-                <a:cs typeface="+mn-cs"/>
-              </a:defRPr>
-            </a:lvl6pPr>
-            <a:lvl7pPr marL="2971800" indent="-228600" algn="l" defTabSz="914400" rtl="0" eaLnBrk="1" latinLnBrk="0" hangingPunct="1">
-              <a:lnSpc>
-                <a:spcPct val="90000"/>
-              </a:lnSpc>
-              <a:spcBef>
-                <a:spcPts val="500"/>
-              </a:spcBef>
-              <a:buFont typeface="Arial" panose="020B0604020202020204" pitchFamily="34" charset="0"/>
-              <a:buChar char="•"/>
-              <a:defRPr sz="1800" kern="1200">
-                <a:solidFill>
-                  <a:schemeClr val="tx1"/>
-                </a:solidFill>
-                <a:latin typeface="+mn-lt"/>
-                <a:ea typeface="+mn-ea"/>
-                <a:cs typeface="+mn-cs"/>
-              </a:defRPr>
-            </a:lvl7pPr>
-            <a:lvl8pPr marL="3429000" indent="-228600" algn="l" defTabSz="914400" rtl="0" eaLnBrk="1" latinLnBrk="0" hangingPunct="1">
-              <a:lnSpc>
-                <a:spcPct val="90000"/>
-              </a:lnSpc>
-              <a:spcBef>
-                <a:spcPts val="500"/>
-              </a:spcBef>
-              <a:buFont typeface="Arial" panose="020B0604020202020204" pitchFamily="34" charset="0"/>
-              <a:buChar char="•"/>
-              <a:defRPr sz="1800" kern="1200">
-                <a:solidFill>
-                  <a:schemeClr val="tx1"/>
-                </a:solidFill>
-                <a:latin typeface="+mn-lt"/>
-                <a:ea typeface="+mn-ea"/>
-                <a:cs typeface="+mn-cs"/>
-              </a:defRPr>
-            </a:lvl8pPr>
-            <a:lvl9pPr marL="3886200" indent="-228600" algn="l" defTabSz="914400" rtl="0" eaLnBrk="1" latinLnBrk="0" hangingPunct="1">
-              <a:lnSpc>
-                <a:spcPct val="90000"/>
-              </a:lnSpc>
-              <a:spcBef>
-                <a:spcPts val="500"/>
-              </a:spcBef>
-              <a:buFont typeface="Arial" panose="020B0604020202020204" pitchFamily="34" charset="0"/>
-              <a:buChar char="•"/>
-              <a:defRPr sz="1800" kern="1200">
-                <a:solidFill>
-                  <a:schemeClr val="tx1"/>
-                </a:solidFill>
-                <a:latin typeface="+mn-lt"/>
-                <a:ea typeface="+mn-ea"/>
-                <a:cs typeface="+mn-cs"/>
-              </a:defRPr>
-            </a:lvl9pPr>
-          </a:lstStyle>
-          <a:p>
-            <a:pPr marL="285750" indent="-285750">
-              <a:buFont typeface="Arial" panose="020B0604020202020204" pitchFamily="34" charset="0"/>
-              <a:buChar char="•"/>
-            </a:pPr>
-            <a:r>
-              <a:rPr lang="de-AT" dirty="0">
-                <a:hlinkClick r:id="rId3"/>
-              </a:rPr>
-              <a:t>https://github.com/techtalk/CodingDojos.git</a:t>
-            </a:r>
-            <a:endParaRPr lang="de-AT" dirty="0"/>
-          </a:p>
-          <a:p>
-            <a:pPr lvl="1"/>
-            <a:r>
-              <a:rPr lang="en-GB" dirty="0"/>
-              <a:t>Branch “</a:t>
-            </a:r>
-            <a:r>
-              <a:rPr lang="en-GB" dirty="0" err="1"/>
-              <a:t>MockingDojo</a:t>
-            </a:r>
-            <a:r>
-              <a:rPr lang="en-GB" dirty="0"/>
-              <a:t>”</a:t>
-            </a:r>
-          </a:p>
-          <a:p>
-            <a:endParaRPr lang="en-GB" dirty="0"/>
-          </a:p>
-          <a:p>
-            <a:r>
-              <a:rPr lang="en-GB" dirty="0"/>
-              <a:t>https://www.tutorialspoint.com/design_pattern/strategy_pattern.htm</a:t>
-            </a:r>
-          </a:p>
-          <a:p>
-            <a:endParaRPr lang="en-GB" dirty="0"/>
-          </a:p>
-          <a:p>
-            <a:pPr lvl="2"/>
-            <a:endParaRPr lang="en-GB" dirty="0"/>
-          </a:p>
-          <a:p>
-            <a:pPr lvl="1"/>
-            <a:endParaRPr lang="en-GB" dirty="0"/>
-          </a:p>
-          <a:p>
-            <a:endParaRPr lang="en-GB" dirty="0"/>
-          </a:p>
-        </p:txBody>
-      </p:sp>
-    </p:spTree>
-    <p:extLst>
-      <p:ext uri="{BB962C8B-B14F-4D97-AF65-F5344CB8AC3E}">
-        <p14:creationId xmlns:p14="http://schemas.microsoft.com/office/powerpoint/2010/main" val="355067626"/>
       </p:ext>
     </p:extLst>
   </p:cSld>

--- a/Mocking/CodingDojo_Mocking.pptx
+++ b/Mocking/CodingDojo_Mocking.pptx
@@ -218,7 +218,7 @@
           <a:p>
             <a:fld id="{550C01F7-036F-4DDB-91D3-72DE411FB950}" type="datetimeFigureOut">
               <a:rPr lang="de-AT" smtClean="0"/>
-              <a:t>18.08.2022</a:t>
+              <a:t>19.08.2022</a:t>
             </a:fld>
             <a:endParaRPr lang="de-AT"/>
           </a:p>
@@ -2982,7 +2982,7 @@
           <a:p>
             <a:fld id="{4F9BBA49-313F-47D7-A954-C3F504465317}" type="datetimeFigureOut">
               <a:rPr lang="de-AT" smtClean="0"/>
-              <a:t>18.08.2022</a:t>
+              <a:t>19.08.2022</a:t>
             </a:fld>
             <a:endParaRPr lang="de-AT"/>
           </a:p>
@@ -3152,7 +3152,7 @@
           <a:p>
             <a:fld id="{4F9BBA49-313F-47D7-A954-C3F504465317}" type="datetimeFigureOut">
               <a:rPr lang="de-AT" smtClean="0"/>
-              <a:t>18.08.2022</a:t>
+              <a:t>19.08.2022</a:t>
             </a:fld>
             <a:endParaRPr lang="de-AT"/>
           </a:p>
@@ -6896,6 +6896,26 @@
           </a:bodyPr>
           <a:lstStyle/>
           <a:p>
+            <a:r>
+              <a:rPr lang="de-DE" dirty="0"/>
+              <a:t>Nsubstitute</a:t>
+            </a:r>
+          </a:p>
+          <a:p>
+            <a:pPr lvl="1"/>
+            <a:r>
+              <a:rPr lang="de-DE" dirty="0"/>
+              <a:t>Beim Mocken von Klassen (nicht interfaces) müssen(!) nur virtual methoden mocked werden</a:t>
+            </a:r>
+          </a:p>
+          <a:p>
+            <a:r>
+              <a:rPr lang="de-DE"/>
+              <a:t>Microsoft.Fakes</a:t>
+            </a:r>
+          </a:p>
+          <a:p>
+            <a:pPr lvl="1"/>
             <a:endParaRPr lang="de-DE" dirty="0"/>
           </a:p>
         </p:txBody>
